--- a/lectures/06/Обобщенное программирование, шаблоны.pptx
+++ b/lectures/06/Обобщенное программирование, шаблоны.pptx
@@ -199,7 +199,7 @@
   </p:defaultTextStyle>
   <p:extLst>
     <p:ext uri="{EFAFB233-063F-42B5-8137-9DF3F51BA10A}">
-      <p15:sldGuideLst xmlns:p15="http://schemas.microsoft.com/office/powerpoint/2012/main">
+      <p15:sldGuideLst xmlns:p15="http://schemas.microsoft.com/office/powerpoint/2012/main" xmlns="">
         <p15:guide id="1" orient="horz" pos="2160">
           <p15:clr>
             <a:srgbClr val="A4A3A4"/>
@@ -24461,9 +24461,218 @@
   <p:timing>
     <p:tnLst>
       <p:par>
-        <p:cTn id="1" dur="indefinite" restart="never" nodeType="tmRoot"/>
+        <p:cTn id="1" dur="indefinite" restart="never" nodeType="tmRoot">
+          <p:childTnLst>
+            <p:seq concurrent="1" nextAc="seek">
+              <p:cTn id="2" dur="indefinite" nodeType="mainSeq">
+                <p:childTnLst>
+                  <p:par>
+                    <p:cTn id="3" fill="hold">
+                      <p:stCondLst>
+                        <p:cond delay="indefinite"/>
+                      </p:stCondLst>
+                      <p:childTnLst>
+                        <p:par>
+                          <p:cTn id="4" fill="hold">
+                            <p:stCondLst>
+                              <p:cond delay="0"/>
+                            </p:stCondLst>
+                            <p:childTnLst>
+                              <p:par>
+                                <p:cTn id="5" presetID="10" presetClass="entr" presetSubtype="0" fill="hold" grpId="0" nodeType="clickEffect">
+                                  <p:stCondLst>
+                                    <p:cond delay="0"/>
+                                  </p:stCondLst>
+                                  <p:childTnLst>
+                                    <p:set>
+                                      <p:cBhvr>
+                                        <p:cTn id="6" dur="1" fill="hold">
+                                          <p:stCondLst>
+                                            <p:cond delay="0"/>
+                                          </p:stCondLst>
+                                        </p:cTn>
+                                        <p:tgtEl>
+                                          <p:spTgt spid="12292">
+                                            <p:txEl>
+                                              <p:pRg st="0" end="0"/>
+                                            </p:txEl>
+                                          </p:spTgt>
+                                        </p:tgtEl>
+                                        <p:attrNameLst>
+                                          <p:attrName>style.visibility</p:attrName>
+                                        </p:attrNameLst>
+                                      </p:cBhvr>
+                                      <p:to>
+                                        <p:strVal val="visible"/>
+                                      </p:to>
+                                    </p:set>
+                                    <p:animEffect transition="in" filter="fade">
+                                      <p:cBhvr>
+                                        <p:cTn id="7" dur="500"/>
+                                        <p:tgtEl>
+                                          <p:spTgt spid="12292">
+                                            <p:txEl>
+                                              <p:pRg st="0" end="0"/>
+                                            </p:txEl>
+                                          </p:spTgt>
+                                        </p:tgtEl>
+                                      </p:cBhvr>
+                                    </p:animEffect>
+                                  </p:childTnLst>
+                                </p:cTn>
+                              </p:par>
+                            </p:childTnLst>
+                          </p:cTn>
+                        </p:par>
+                      </p:childTnLst>
+                    </p:cTn>
+                  </p:par>
+                  <p:par>
+                    <p:cTn id="8" fill="hold">
+                      <p:stCondLst>
+                        <p:cond delay="indefinite"/>
+                      </p:stCondLst>
+                      <p:childTnLst>
+                        <p:par>
+                          <p:cTn id="9" fill="hold">
+                            <p:stCondLst>
+                              <p:cond delay="0"/>
+                            </p:stCondLst>
+                            <p:childTnLst>
+                              <p:par>
+                                <p:cTn id="10" presetID="10" presetClass="entr" presetSubtype="0" fill="hold" grpId="0" nodeType="clickEffect">
+                                  <p:stCondLst>
+                                    <p:cond delay="0"/>
+                                  </p:stCondLst>
+                                  <p:childTnLst>
+                                    <p:set>
+                                      <p:cBhvr>
+                                        <p:cTn id="11" dur="1" fill="hold">
+                                          <p:stCondLst>
+                                            <p:cond delay="0"/>
+                                          </p:stCondLst>
+                                        </p:cTn>
+                                        <p:tgtEl>
+                                          <p:spTgt spid="12292">
+                                            <p:txEl>
+                                              <p:pRg st="1" end="1"/>
+                                            </p:txEl>
+                                          </p:spTgt>
+                                        </p:tgtEl>
+                                        <p:attrNameLst>
+                                          <p:attrName>style.visibility</p:attrName>
+                                        </p:attrNameLst>
+                                      </p:cBhvr>
+                                      <p:to>
+                                        <p:strVal val="visible"/>
+                                      </p:to>
+                                    </p:set>
+                                    <p:animEffect transition="in" filter="fade">
+                                      <p:cBhvr>
+                                        <p:cTn id="12" dur="500"/>
+                                        <p:tgtEl>
+                                          <p:spTgt spid="12292">
+                                            <p:txEl>
+                                              <p:pRg st="1" end="1"/>
+                                            </p:txEl>
+                                          </p:spTgt>
+                                        </p:tgtEl>
+                                      </p:cBhvr>
+                                    </p:animEffect>
+                                  </p:childTnLst>
+                                </p:cTn>
+                              </p:par>
+                            </p:childTnLst>
+                          </p:cTn>
+                        </p:par>
+                      </p:childTnLst>
+                    </p:cTn>
+                  </p:par>
+                  <p:par>
+                    <p:cTn id="13" fill="hold">
+                      <p:stCondLst>
+                        <p:cond delay="indefinite"/>
+                      </p:stCondLst>
+                      <p:childTnLst>
+                        <p:par>
+                          <p:cTn id="14" fill="hold">
+                            <p:stCondLst>
+                              <p:cond delay="0"/>
+                            </p:stCondLst>
+                            <p:childTnLst>
+                              <p:par>
+                                <p:cTn id="15" presetID="10" presetClass="entr" presetSubtype="0" fill="hold" grpId="0" nodeType="clickEffect">
+                                  <p:stCondLst>
+                                    <p:cond delay="0"/>
+                                  </p:stCondLst>
+                                  <p:childTnLst>
+                                    <p:set>
+                                      <p:cBhvr>
+                                        <p:cTn id="16" dur="1" fill="hold">
+                                          <p:stCondLst>
+                                            <p:cond delay="0"/>
+                                          </p:stCondLst>
+                                        </p:cTn>
+                                        <p:tgtEl>
+                                          <p:spTgt spid="12292">
+                                            <p:txEl>
+                                              <p:pRg st="2" end="2"/>
+                                            </p:txEl>
+                                          </p:spTgt>
+                                        </p:tgtEl>
+                                        <p:attrNameLst>
+                                          <p:attrName>style.visibility</p:attrName>
+                                        </p:attrNameLst>
+                                      </p:cBhvr>
+                                      <p:to>
+                                        <p:strVal val="visible"/>
+                                      </p:to>
+                                    </p:set>
+                                    <p:animEffect transition="in" filter="fade">
+                                      <p:cBhvr>
+                                        <p:cTn id="17" dur="500"/>
+                                        <p:tgtEl>
+                                          <p:spTgt spid="12292">
+                                            <p:txEl>
+                                              <p:pRg st="2" end="2"/>
+                                            </p:txEl>
+                                          </p:spTgt>
+                                        </p:tgtEl>
+                                      </p:cBhvr>
+                                    </p:animEffect>
+                                  </p:childTnLst>
+                                </p:cTn>
+                              </p:par>
+                            </p:childTnLst>
+                          </p:cTn>
+                        </p:par>
+                      </p:childTnLst>
+                    </p:cTn>
+                  </p:par>
+                </p:childTnLst>
+              </p:cTn>
+              <p:prevCondLst>
+                <p:cond evt="onPrev" delay="0">
+                  <p:tgtEl>
+                    <p:sldTgt/>
+                  </p:tgtEl>
+                </p:cond>
+              </p:prevCondLst>
+              <p:nextCondLst>
+                <p:cond evt="onNext" delay="0">
+                  <p:tgtEl>
+                    <p:sldTgt/>
+                  </p:tgtEl>
+                </p:cond>
+              </p:nextCondLst>
+            </p:seq>
+          </p:childTnLst>
+        </p:cTn>
       </p:par>
     </p:tnLst>
+    <p:bldLst>
+      <p:bldP spid="12292" grpId="0" build="p"/>
+    </p:bldLst>
   </p:timing>
 </p:sld>
 </file>
@@ -24537,7 +24746,6 @@
               <a:rPr lang="ru-RU" dirty="0" smtClean="0"/>
               <a:t>Как правило – в заголовочных файлах</a:t>
             </a:r>
-            <a:endParaRPr lang="ru-RU" dirty="0" smtClean="0"/>
           </a:p>
           <a:p>
             <a:r>
@@ -24558,7 +24766,6 @@
               <a:rPr lang="ru-RU" dirty="0" smtClean="0"/>
               <a:t>Код шаблонной функции становится доступен пользователям</a:t>
             </a:r>
-            <a:endParaRPr lang="ru-RU" dirty="0" smtClean="0"/>
           </a:p>
         </p:txBody>
       </p:sp>
@@ -24570,9 +24777,286 @@
   <p:timing>
     <p:tnLst>
       <p:par>
-        <p:cTn id="1" dur="indefinite" restart="never" nodeType="tmRoot"/>
+        <p:cTn id="1" dur="indefinite" restart="never" nodeType="tmRoot">
+          <p:childTnLst>
+            <p:seq concurrent="1" nextAc="seek">
+              <p:cTn id="2" dur="indefinite" nodeType="mainSeq">
+                <p:childTnLst>
+                  <p:par>
+                    <p:cTn id="3" fill="hold">
+                      <p:stCondLst>
+                        <p:cond delay="indefinite"/>
+                      </p:stCondLst>
+                      <p:childTnLst>
+                        <p:par>
+                          <p:cTn id="4" fill="hold">
+                            <p:stCondLst>
+                              <p:cond delay="0"/>
+                            </p:stCondLst>
+                            <p:childTnLst>
+                              <p:par>
+                                <p:cTn id="5" presetID="10" presetClass="entr" presetSubtype="0" fill="hold" grpId="0" nodeType="clickEffect">
+                                  <p:stCondLst>
+                                    <p:cond delay="0"/>
+                                  </p:stCondLst>
+                                  <p:childTnLst>
+                                    <p:set>
+                                      <p:cBhvr>
+                                        <p:cTn id="6" dur="1" fill="hold">
+                                          <p:stCondLst>
+                                            <p:cond delay="0"/>
+                                          </p:stCondLst>
+                                        </p:cTn>
+                                        <p:tgtEl>
+                                          <p:spTgt spid="3">
+                                            <p:txEl>
+                                              <p:pRg st="0" end="0"/>
+                                            </p:txEl>
+                                          </p:spTgt>
+                                        </p:tgtEl>
+                                        <p:attrNameLst>
+                                          <p:attrName>style.visibility</p:attrName>
+                                        </p:attrNameLst>
+                                      </p:cBhvr>
+                                      <p:to>
+                                        <p:strVal val="visible"/>
+                                      </p:to>
+                                    </p:set>
+                                    <p:animEffect transition="in" filter="fade">
+                                      <p:cBhvr>
+                                        <p:cTn id="7" dur="500"/>
+                                        <p:tgtEl>
+                                          <p:spTgt spid="3">
+                                            <p:txEl>
+                                              <p:pRg st="0" end="0"/>
+                                            </p:txEl>
+                                          </p:spTgt>
+                                        </p:tgtEl>
+                                      </p:cBhvr>
+                                    </p:animEffect>
+                                  </p:childTnLst>
+                                </p:cTn>
+                              </p:par>
+                              <p:par>
+                                <p:cTn id="8" presetID="10" presetClass="entr" presetSubtype="0" fill="hold" grpId="0" nodeType="withEffect">
+                                  <p:stCondLst>
+                                    <p:cond delay="0"/>
+                                  </p:stCondLst>
+                                  <p:childTnLst>
+                                    <p:set>
+                                      <p:cBhvr>
+                                        <p:cTn id="9" dur="1" fill="hold">
+                                          <p:stCondLst>
+                                            <p:cond delay="0"/>
+                                          </p:stCondLst>
+                                        </p:cTn>
+                                        <p:tgtEl>
+                                          <p:spTgt spid="3">
+                                            <p:txEl>
+                                              <p:pRg st="1" end="1"/>
+                                            </p:txEl>
+                                          </p:spTgt>
+                                        </p:tgtEl>
+                                        <p:attrNameLst>
+                                          <p:attrName>style.visibility</p:attrName>
+                                        </p:attrNameLst>
+                                      </p:cBhvr>
+                                      <p:to>
+                                        <p:strVal val="visible"/>
+                                      </p:to>
+                                    </p:set>
+                                    <p:animEffect transition="in" filter="fade">
+                                      <p:cBhvr>
+                                        <p:cTn id="10" dur="500"/>
+                                        <p:tgtEl>
+                                          <p:spTgt spid="3">
+                                            <p:txEl>
+                                              <p:pRg st="1" end="1"/>
+                                            </p:txEl>
+                                          </p:spTgt>
+                                        </p:tgtEl>
+                                      </p:cBhvr>
+                                    </p:animEffect>
+                                  </p:childTnLst>
+                                </p:cTn>
+                              </p:par>
+                            </p:childTnLst>
+                          </p:cTn>
+                        </p:par>
+                      </p:childTnLst>
+                    </p:cTn>
+                  </p:par>
+                  <p:par>
+                    <p:cTn id="11" fill="hold">
+                      <p:stCondLst>
+                        <p:cond delay="indefinite"/>
+                      </p:stCondLst>
+                      <p:childTnLst>
+                        <p:par>
+                          <p:cTn id="12" fill="hold">
+                            <p:stCondLst>
+                              <p:cond delay="0"/>
+                            </p:stCondLst>
+                            <p:childTnLst>
+                              <p:par>
+                                <p:cTn id="13" presetID="10" presetClass="entr" presetSubtype="0" fill="hold" grpId="0" nodeType="clickEffect">
+                                  <p:stCondLst>
+                                    <p:cond delay="0"/>
+                                  </p:stCondLst>
+                                  <p:childTnLst>
+                                    <p:set>
+                                      <p:cBhvr>
+                                        <p:cTn id="14" dur="1" fill="hold">
+                                          <p:stCondLst>
+                                            <p:cond delay="0"/>
+                                          </p:stCondLst>
+                                        </p:cTn>
+                                        <p:tgtEl>
+                                          <p:spTgt spid="3">
+                                            <p:txEl>
+                                              <p:pRg st="2" end="2"/>
+                                            </p:txEl>
+                                          </p:spTgt>
+                                        </p:tgtEl>
+                                        <p:attrNameLst>
+                                          <p:attrName>style.visibility</p:attrName>
+                                        </p:attrNameLst>
+                                      </p:cBhvr>
+                                      <p:to>
+                                        <p:strVal val="visible"/>
+                                      </p:to>
+                                    </p:set>
+                                    <p:animEffect transition="in" filter="fade">
+                                      <p:cBhvr>
+                                        <p:cTn id="15" dur="500"/>
+                                        <p:tgtEl>
+                                          <p:spTgt spid="3">
+                                            <p:txEl>
+                                              <p:pRg st="2" end="2"/>
+                                            </p:txEl>
+                                          </p:spTgt>
+                                        </p:tgtEl>
+                                      </p:cBhvr>
+                                    </p:animEffect>
+                                  </p:childTnLst>
+                                </p:cTn>
+                              </p:par>
+                              <p:par>
+                                <p:cTn id="16" presetID="10" presetClass="entr" presetSubtype="0" fill="hold" grpId="0" nodeType="withEffect">
+                                  <p:stCondLst>
+                                    <p:cond delay="0"/>
+                                  </p:stCondLst>
+                                  <p:childTnLst>
+                                    <p:set>
+                                      <p:cBhvr>
+                                        <p:cTn id="17" dur="1" fill="hold">
+                                          <p:stCondLst>
+                                            <p:cond delay="0"/>
+                                          </p:stCondLst>
+                                        </p:cTn>
+                                        <p:tgtEl>
+                                          <p:spTgt spid="3">
+                                            <p:txEl>
+                                              <p:pRg st="3" end="3"/>
+                                            </p:txEl>
+                                          </p:spTgt>
+                                        </p:tgtEl>
+                                        <p:attrNameLst>
+                                          <p:attrName>style.visibility</p:attrName>
+                                        </p:attrNameLst>
+                                      </p:cBhvr>
+                                      <p:to>
+                                        <p:strVal val="visible"/>
+                                      </p:to>
+                                    </p:set>
+                                    <p:animEffect transition="in" filter="fade">
+                                      <p:cBhvr>
+                                        <p:cTn id="18" dur="500"/>
+                                        <p:tgtEl>
+                                          <p:spTgt spid="3">
+                                            <p:txEl>
+                                              <p:pRg st="3" end="3"/>
+                                            </p:txEl>
+                                          </p:spTgt>
+                                        </p:tgtEl>
+                                      </p:cBhvr>
+                                    </p:animEffect>
+                                  </p:childTnLst>
+                                </p:cTn>
+                              </p:par>
+                              <p:par>
+                                <p:cTn id="19" presetID="10" presetClass="entr" presetSubtype="0" fill="hold" grpId="0" nodeType="withEffect">
+                                  <p:stCondLst>
+                                    <p:cond delay="0"/>
+                                  </p:stCondLst>
+                                  <p:childTnLst>
+                                    <p:set>
+                                      <p:cBhvr>
+                                        <p:cTn id="20" dur="1" fill="hold">
+                                          <p:stCondLst>
+                                            <p:cond delay="0"/>
+                                          </p:stCondLst>
+                                        </p:cTn>
+                                        <p:tgtEl>
+                                          <p:spTgt spid="3">
+                                            <p:txEl>
+                                              <p:pRg st="4" end="4"/>
+                                            </p:txEl>
+                                          </p:spTgt>
+                                        </p:tgtEl>
+                                        <p:attrNameLst>
+                                          <p:attrName>style.visibility</p:attrName>
+                                        </p:attrNameLst>
+                                      </p:cBhvr>
+                                      <p:to>
+                                        <p:strVal val="visible"/>
+                                      </p:to>
+                                    </p:set>
+                                    <p:animEffect transition="in" filter="fade">
+                                      <p:cBhvr>
+                                        <p:cTn id="21" dur="500"/>
+                                        <p:tgtEl>
+                                          <p:spTgt spid="3">
+                                            <p:txEl>
+                                              <p:pRg st="4" end="4"/>
+                                            </p:txEl>
+                                          </p:spTgt>
+                                        </p:tgtEl>
+                                      </p:cBhvr>
+                                    </p:animEffect>
+                                  </p:childTnLst>
+                                </p:cTn>
+                              </p:par>
+                            </p:childTnLst>
+                          </p:cTn>
+                        </p:par>
+                      </p:childTnLst>
+                    </p:cTn>
+                  </p:par>
+                </p:childTnLst>
+              </p:cTn>
+              <p:prevCondLst>
+                <p:cond evt="onPrev" delay="0">
+                  <p:tgtEl>
+                    <p:sldTgt/>
+                  </p:tgtEl>
+                </p:cond>
+              </p:prevCondLst>
+              <p:nextCondLst>
+                <p:cond evt="onNext" delay="0">
+                  <p:tgtEl>
+                    <p:sldTgt/>
+                  </p:tgtEl>
+                </p:cond>
+              </p:nextCondLst>
+            </p:seq>
+          </p:childTnLst>
+        </p:cTn>
       </p:par>
     </p:tnLst>
+    <p:bldLst>
+      <p:bldP spid="3" grpId="0" build="p"/>
+    </p:bldLst>
   </p:timing>
 </p:sld>
 </file>
@@ -24989,31 +25473,7 @@
               <a:rPr lang="en-US" sz="1600" b="1" dirty="0" smtClean="0">
                 <a:latin typeface="Courier New" pitchFamily="49" charset="0"/>
               </a:rPr>
-              <a:t>std::string max4 = maximum(std::</a:t>
-            </a:r>
-            <a:r>
-              <a:rPr lang="en-US" sz="1600" b="1" dirty="0" smtClean="0">
-                <a:latin typeface="Courier New" pitchFamily="49" charset="0"/>
-              </a:rPr>
-              <a:t>string("hello</a:t>
-            </a:r>
-            <a:r>
-              <a:rPr lang="en-US" sz="1600" b="1" dirty="0" smtClean="0">
-                <a:latin typeface="Courier New" pitchFamily="49" charset="0"/>
-              </a:rPr>
-              <a:t>"), std::</a:t>
-            </a:r>
-            <a:r>
-              <a:rPr lang="en-US" sz="1600" b="1" dirty="0" smtClean="0">
-                <a:latin typeface="Courier New" pitchFamily="49" charset="0"/>
-              </a:rPr>
-              <a:t>string("world</a:t>
-            </a:r>
-            <a:r>
-              <a:rPr lang="en-US" sz="1600" b="1" dirty="0" smtClean="0">
-                <a:latin typeface="Courier New" pitchFamily="49" charset="0"/>
-              </a:rPr>
-              <a:t>"));</a:t>
+              <a:t>std::string max4 = maximum(std::string("hello"), std::string("world"));</a:t>
             </a:r>
             <a:endParaRPr lang="en-US" sz="1600" b="1" dirty="0">
               <a:latin typeface="Courier New" pitchFamily="49" charset="0"/>
@@ -28527,19 +28987,7 @@
               <a:rPr lang="en-US" sz="1200" b="1" dirty="0" smtClean="0">
                 <a:latin typeface="Courier New" pitchFamily="49" charset="0"/>
               </a:rPr>
-              <a:t>, </a:t>
-            </a:r>
-            <a:r>
-              <a:rPr lang="en-US" sz="1200" b="1" dirty="0" smtClean="0">
-                <a:latin typeface="Courier New" pitchFamily="49" charset="0"/>
-              </a:rPr>
-              <a:t>unsigned counter </a:t>
-            </a:r>
-            <a:r>
-              <a:rPr lang="en-US" sz="1200" b="1" dirty="0" smtClean="0">
-                <a:latin typeface="Courier New" pitchFamily="49" charset="0"/>
-              </a:rPr>
-              <a:t>= 0)</a:t>
+              <a:t>, unsigned counter = 0)</a:t>
             </a:r>
           </a:p>
           <a:p>
@@ -29523,9 +29971,6 @@
               </a:rPr>
               <a:t>('[');</a:t>
             </a:r>
-            <a:endParaRPr lang="en-US" sz="1600" b="1" dirty="0" smtClean="0">
-              <a:latin typeface="Courier New" pitchFamily="49" charset="0"/>
-            </a:endParaRPr>
           </a:p>
           <a:p>
             <a:pPr defTabSz="631825">
@@ -33046,9 +33491,88 @@
   <p:timing>
     <p:tnLst>
       <p:par>
-        <p:cTn id="1" dur="indefinite" restart="never" nodeType="tmRoot"/>
+        <p:cTn id="1" dur="indefinite" restart="never" nodeType="tmRoot">
+          <p:childTnLst>
+            <p:seq concurrent="1" nextAc="seek">
+              <p:cTn id="2" dur="indefinite" nodeType="mainSeq">
+                <p:childTnLst>
+                  <p:par>
+                    <p:cTn id="3" fill="hold">
+                      <p:stCondLst>
+                        <p:cond delay="indefinite"/>
+                      </p:stCondLst>
+                      <p:childTnLst>
+                        <p:par>
+                          <p:cTn id="4" fill="hold">
+                            <p:stCondLst>
+                              <p:cond delay="0"/>
+                            </p:stCondLst>
+                            <p:childTnLst>
+                              <p:par>
+                                <p:cTn id="5" presetID="10" presetClass="entr" presetSubtype="0" fill="hold" grpId="0" nodeType="clickEffect">
+                                  <p:stCondLst>
+                                    <p:cond delay="0"/>
+                                  </p:stCondLst>
+                                  <p:childTnLst>
+                                    <p:set>
+                                      <p:cBhvr>
+                                        <p:cTn id="6" dur="1" fill="hold">
+                                          <p:stCondLst>
+                                            <p:cond delay="0"/>
+                                          </p:stCondLst>
+                                        </p:cTn>
+                                        <p:tgtEl>
+                                          <p:spTgt spid="5"/>
+                                        </p:tgtEl>
+                                        <p:attrNameLst>
+                                          <p:attrName>style.visibility</p:attrName>
+                                        </p:attrNameLst>
+                                      </p:cBhvr>
+                                      <p:to>
+                                        <p:strVal val="visible"/>
+                                      </p:to>
+                                    </p:set>
+                                    <p:animEffect transition="in" filter="fade">
+                                      <p:cBhvr>
+                                        <p:cTn id="7" dur="500"/>
+                                        <p:tgtEl>
+                                          <p:spTgt spid="5"/>
+                                        </p:tgtEl>
+                                      </p:cBhvr>
+                                    </p:animEffect>
+                                  </p:childTnLst>
+                                </p:cTn>
+                              </p:par>
+                            </p:childTnLst>
+                          </p:cTn>
+                        </p:par>
+                      </p:childTnLst>
+                    </p:cTn>
+                  </p:par>
+                </p:childTnLst>
+              </p:cTn>
+              <p:prevCondLst>
+                <p:cond evt="onPrev" delay="0">
+                  <p:tgtEl>
+                    <p:sldTgt/>
+                  </p:tgtEl>
+                </p:cond>
+              </p:prevCondLst>
+              <p:nextCondLst>
+                <p:cond evt="onNext" delay="0">
+                  <p:tgtEl>
+                    <p:sldTgt/>
+                  </p:tgtEl>
+                </p:cond>
+              </p:nextCondLst>
+            </p:seq>
+          </p:childTnLst>
+        </p:cTn>
       </p:par>
     </p:tnLst>
+    <p:bldLst>
+      <p:bldP spid="5" grpId="0" animBg="1"/>
+    </p:bldLst>
   </p:timing>
 </p:sld>
 </file>
@@ -34580,11 +35104,7 @@
             </a:r>
             <a:r>
               <a:rPr lang="ru-RU" dirty="0" smtClean="0"/>
-              <a:t>для произвольного типа </a:t>
-            </a:r>
-            <a:r>
-              <a:rPr lang="ru-RU" dirty="0" smtClean="0"/>
-              <a:t>элементов</a:t>
+              <a:t>для произвольного типа элементов</a:t>
             </a:r>
             <a:endParaRPr lang="ru-RU" dirty="0"/>
           </a:p>
@@ -34735,9 +35255,415 @@
   <p:timing>
     <p:tnLst>
       <p:par>
-        <p:cTn id="1" dur="indefinite" restart="never" nodeType="tmRoot"/>
+        <p:cTn id="1" dur="indefinite" restart="never" nodeType="tmRoot">
+          <p:childTnLst>
+            <p:seq concurrent="1" nextAc="seek">
+              <p:cTn id="2" dur="indefinite" nodeType="mainSeq">
+                <p:childTnLst>
+                  <p:par>
+                    <p:cTn id="3" fill="hold">
+                      <p:stCondLst>
+                        <p:cond delay="indefinite"/>
+                      </p:stCondLst>
+                      <p:childTnLst>
+                        <p:par>
+                          <p:cTn id="4" fill="hold">
+                            <p:stCondLst>
+                              <p:cond delay="0"/>
+                            </p:stCondLst>
+                            <p:childTnLst>
+                              <p:par>
+                                <p:cTn id="5" presetID="10" presetClass="entr" presetSubtype="0" fill="hold" grpId="0" nodeType="clickEffect">
+                                  <p:stCondLst>
+                                    <p:cond delay="0"/>
+                                  </p:stCondLst>
+                                  <p:childTnLst>
+                                    <p:set>
+                                      <p:cBhvr>
+                                        <p:cTn id="6" dur="1" fill="hold">
+                                          <p:stCondLst>
+                                            <p:cond delay="0"/>
+                                          </p:stCondLst>
+                                        </p:cTn>
+                                        <p:tgtEl>
+                                          <p:spTgt spid="17411">
+                                            <p:txEl>
+                                              <p:pRg st="0" end="0"/>
+                                            </p:txEl>
+                                          </p:spTgt>
+                                        </p:tgtEl>
+                                        <p:attrNameLst>
+                                          <p:attrName>style.visibility</p:attrName>
+                                        </p:attrNameLst>
+                                      </p:cBhvr>
+                                      <p:to>
+                                        <p:strVal val="visible"/>
+                                      </p:to>
+                                    </p:set>
+                                    <p:animEffect transition="in" filter="fade">
+                                      <p:cBhvr>
+                                        <p:cTn id="7" dur="500"/>
+                                        <p:tgtEl>
+                                          <p:spTgt spid="17411">
+                                            <p:txEl>
+                                              <p:pRg st="0" end="0"/>
+                                            </p:txEl>
+                                          </p:spTgt>
+                                        </p:tgtEl>
+                                      </p:cBhvr>
+                                    </p:animEffect>
+                                  </p:childTnLst>
+                                </p:cTn>
+                              </p:par>
+                              <p:par>
+                                <p:cTn id="8" presetID="10" presetClass="entr" presetSubtype="0" fill="hold" grpId="0" nodeType="withEffect">
+                                  <p:stCondLst>
+                                    <p:cond delay="0"/>
+                                  </p:stCondLst>
+                                  <p:childTnLst>
+                                    <p:set>
+                                      <p:cBhvr>
+                                        <p:cTn id="9" dur="1" fill="hold">
+                                          <p:stCondLst>
+                                            <p:cond delay="0"/>
+                                          </p:stCondLst>
+                                        </p:cTn>
+                                        <p:tgtEl>
+                                          <p:spTgt spid="17411">
+                                            <p:txEl>
+                                              <p:pRg st="1" end="1"/>
+                                            </p:txEl>
+                                          </p:spTgt>
+                                        </p:tgtEl>
+                                        <p:attrNameLst>
+                                          <p:attrName>style.visibility</p:attrName>
+                                        </p:attrNameLst>
+                                      </p:cBhvr>
+                                      <p:to>
+                                        <p:strVal val="visible"/>
+                                      </p:to>
+                                    </p:set>
+                                    <p:animEffect transition="in" filter="fade">
+                                      <p:cBhvr>
+                                        <p:cTn id="10" dur="500"/>
+                                        <p:tgtEl>
+                                          <p:spTgt spid="17411">
+                                            <p:txEl>
+                                              <p:pRg st="1" end="1"/>
+                                            </p:txEl>
+                                          </p:spTgt>
+                                        </p:tgtEl>
+                                      </p:cBhvr>
+                                    </p:animEffect>
+                                  </p:childTnLst>
+                                </p:cTn>
+                              </p:par>
+                            </p:childTnLst>
+                          </p:cTn>
+                        </p:par>
+                      </p:childTnLst>
+                    </p:cTn>
+                  </p:par>
+                  <p:par>
+                    <p:cTn id="11" fill="hold">
+                      <p:stCondLst>
+                        <p:cond delay="indefinite"/>
+                      </p:stCondLst>
+                      <p:childTnLst>
+                        <p:par>
+                          <p:cTn id="12" fill="hold">
+                            <p:stCondLst>
+                              <p:cond delay="0"/>
+                            </p:stCondLst>
+                            <p:childTnLst>
+                              <p:par>
+                                <p:cTn id="13" presetID="10" presetClass="entr" presetSubtype="0" fill="hold" grpId="0" nodeType="clickEffect">
+                                  <p:stCondLst>
+                                    <p:cond delay="0"/>
+                                  </p:stCondLst>
+                                  <p:childTnLst>
+                                    <p:set>
+                                      <p:cBhvr>
+                                        <p:cTn id="14" dur="1" fill="hold">
+                                          <p:stCondLst>
+                                            <p:cond delay="0"/>
+                                          </p:stCondLst>
+                                        </p:cTn>
+                                        <p:tgtEl>
+                                          <p:spTgt spid="17411">
+                                            <p:txEl>
+                                              <p:pRg st="2" end="2"/>
+                                            </p:txEl>
+                                          </p:spTgt>
+                                        </p:tgtEl>
+                                        <p:attrNameLst>
+                                          <p:attrName>style.visibility</p:attrName>
+                                        </p:attrNameLst>
+                                      </p:cBhvr>
+                                      <p:to>
+                                        <p:strVal val="visible"/>
+                                      </p:to>
+                                    </p:set>
+                                    <p:animEffect transition="in" filter="fade">
+                                      <p:cBhvr>
+                                        <p:cTn id="15" dur="500"/>
+                                        <p:tgtEl>
+                                          <p:spTgt spid="17411">
+                                            <p:txEl>
+                                              <p:pRg st="2" end="2"/>
+                                            </p:txEl>
+                                          </p:spTgt>
+                                        </p:tgtEl>
+                                      </p:cBhvr>
+                                    </p:animEffect>
+                                  </p:childTnLst>
+                                </p:cTn>
+                              </p:par>
+                              <p:par>
+                                <p:cTn id="16" presetID="10" presetClass="entr" presetSubtype="0" fill="hold" grpId="0" nodeType="withEffect">
+                                  <p:stCondLst>
+                                    <p:cond delay="0"/>
+                                  </p:stCondLst>
+                                  <p:childTnLst>
+                                    <p:set>
+                                      <p:cBhvr>
+                                        <p:cTn id="17" dur="1" fill="hold">
+                                          <p:stCondLst>
+                                            <p:cond delay="0"/>
+                                          </p:stCondLst>
+                                        </p:cTn>
+                                        <p:tgtEl>
+                                          <p:spTgt spid="17411">
+                                            <p:txEl>
+                                              <p:pRg st="3" end="3"/>
+                                            </p:txEl>
+                                          </p:spTgt>
+                                        </p:tgtEl>
+                                        <p:attrNameLst>
+                                          <p:attrName>style.visibility</p:attrName>
+                                        </p:attrNameLst>
+                                      </p:cBhvr>
+                                      <p:to>
+                                        <p:strVal val="visible"/>
+                                      </p:to>
+                                    </p:set>
+                                    <p:animEffect transition="in" filter="fade">
+                                      <p:cBhvr>
+                                        <p:cTn id="18" dur="500"/>
+                                        <p:tgtEl>
+                                          <p:spTgt spid="17411">
+                                            <p:txEl>
+                                              <p:pRg st="3" end="3"/>
+                                            </p:txEl>
+                                          </p:spTgt>
+                                        </p:tgtEl>
+                                      </p:cBhvr>
+                                    </p:animEffect>
+                                  </p:childTnLst>
+                                </p:cTn>
+                              </p:par>
+                              <p:par>
+                                <p:cTn id="19" presetID="10" presetClass="entr" presetSubtype="0" fill="hold" grpId="0" nodeType="withEffect">
+                                  <p:stCondLst>
+                                    <p:cond delay="0"/>
+                                  </p:stCondLst>
+                                  <p:childTnLst>
+                                    <p:set>
+                                      <p:cBhvr>
+                                        <p:cTn id="20" dur="1" fill="hold">
+                                          <p:stCondLst>
+                                            <p:cond delay="0"/>
+                                          </p:stCondLst>
+                                        </p:cTn>
+                                        <p:tgtEl>
+                                          <p:spTgt spid="17411">
+                                            <p:txEl>
+                                              <p:pRg st="4" end="4"/>
+                                            </p:txEl>
+                                          </p:spTgt>
+                                        </p:tgtEl>
+                                        <p:attrNameLst>
+                                          <p:attrName>style.visibility</p:attrName>
+                                        </p:attrNameLst>
+                                      </p:cBhvr>
+                                      <p:to>
+                                        <p:strVal val="visible"/>
+                                      </p:to>
+                                    </p:set>
+                                    <p:animEffect transition="in" filter="fade">
+                                      <p:cBhvr>
+                                        <p:cTn id="21" dur="500"/>
+                                        <p:tgtEl>
+                                          <p:spTgt spid="17411">
+                                            <p:txEl>
+                                              <p:pRg st="4" end="4"/>
+                                            </p:txEl>
+                                          </p:spTgt>
+                                        </p:tgtEl>
+                                      </p:cBhvr>
+                                    </p:animEffect>
+                                  </p:childTnLst>
+                                </p:cTn>
+                              </p:par>
+                              <p:par>
+                                <p:cTn id="22" presetID="10" presetClass="entr" presetSubtype="0" fill="hold" grpId="0" nodeType="withEffect">
+                                  <p:stCondLst>
+                                    <p:cond delay="0"/>
+                                  </p:stCondLst>
+                                  <p:childTnLst>
+                                    <p:set>
+                                      <p:cBhvr>
+                                        <p:cTn id="23" dur="1" fill="hold">
+                                          <p:stCondLst>
+                                            <p:cond delay="0"/>
+                                          </p:stCondLst>
+                                        </p:cTn>
+                                        <p:tgtEl>
+                                          <p:spTgt spid="17411">
+                                            <p:txEl>
+                                              <p:pRg st="5" end="5"/>
+                                            </p:txEl>
+                                          </p:spTgt>
+                                        </p:tgtEl>
+                                        <p:attrNameLst>
+                                          <p:attrName>style.visibility</p:attrName>
+                                        </p:attrNameLst>
+                                      </p:cBhvr>
+                                      <p:to>
+                                        <p:strVal val="visible"/>
+                                      </p:to>
+                                    </p:set>
+                                    <p:animEffect transition="in" filter="fade">
+                                      <p:cBhvr>
+                                        <p:cTn id="24" dur="500"/>
+                                        <p:tgtEl>
+                                          <p:spTgt spid="17411">
+                                            <p:txEl>
+                                              <p:pRg st="5" end="5"/>
+                                            </p:txEl>
+                                          </p:spTgt>
+                                        </p:tgtEl>
+                                      </p:cBhvr>
+                                    </p:animEffect>
+                                  </p:childTnLst>
+                                </p:cTn>
+                              </p:par>
+                              <p:par>
+                                <p:cTn id="25" presetID="10" presetClass="entr" presetSubtype="0" fill="hold" grpId="0" nodeType="withEffect">
+                                  <p:stCondLst>
+                                    <p:cond delay="0"/>
+                                  </p:stCondLst>
+                                  <p:childTnLst>
+                                    <p:set>
+                                      <p:cBhvr>
+                                        <p:cTn id="26" dur="1" fill="hold">
+                                          <p:stCondLst>
+                                            <p:cond delay="0"/>
+                                          </p:stCondLst>
+                                        </p:cTn>
+                                        <p:tgtEl>
+                                          <p:spTgt spid="17411">
+                                            <p:txEl>
+                                              <p:pRg st="6" end="6"/>
+                                            </p:txEl>
+                                          </p:spTgt>
+                                        </p:tgtEl>
+                                        <p:attrNameLst>
+                                          <p:attrName>style.visibility</p:attrName>
+                                        </p:attrNameLst>
+                                      </p:cBhvr>
+                                      <p:to>
+                                        <p:strVal val="visible"/>
+                                      </p:to>
+                                    </p:set>
+                                    <p:animEffect transition="in" filter="fade">
+                                      <p:cBhvr>
+                                        <p:cTn id="27" dur="500"/>
+                                        <p:tgtEl>
+                                          <p:spTgt spid="17411">
+                                            <p:txEl>
+                                              <p:pRg st="6" end="6"/>
+                                            </p:txEl>
+                                          </p:spTgt>
+                                        </p:tgtEl>
+                                      </p:cBhvr>
+                                    </p:animEffect>
+                                  </p:childTnLst>
+                                </p:cTn>
+                              </p:par>
+                              <p:par>
+                                <p:cTn id="28" presetID="10" presetClass="entr" presetSubtype="0" fill="hold" grpId="0" nodeType="withEffect">
+                                  <p:stCondLst>
+                                    <p:cond delay="0"/>
+                                  </p:stCondLst>
+                                  <p:childTnLst>
+                                    <p:set>
+                                      <p:cBhvr>
+                                        <p:cTn id="29" dur="1" fill="hold">
+                                          <p:stCondLst>
+                                            <p:cond delay="0"/>
+                                          </p:stCondLst>
+                                        </p:cTn>
+                                        <p:tgtEl>
+                                          <p:spTgt spid="17411">
+                                            <p:txEl>
+                                              <p:pRg st="7" end="7"/>
+                                            </p:txEl>
+                                          </p:spTgt>
+                                        </p:tgtEl>
+                                        <p:attrNameLst>
+                                          <p:attrName>style.visibility</p:attrName>
+                                        </p:attrNameLst>
+                                      </p:cBhvr>
+                                      <p:to>
+                                        <p:strVal val="visible"/>
+                                      </p:to>
+                                    </p:set>
+                                    <p:animEffect transition="in" filter="fade">
+                                      <p:cBhvr>
+                                        <p:cTn id="30" dur="500"/>
+                                        <p:tgtEl>
+                                          <p:spTgt spid="17411">
+                                            <p:txEl>
+                                              <p:pRg st="7" end="7"/>
+                                            </p:txEl>
+                                          </p:spTgt>
+                                        </p:tgtEl>
+                                      </p:cBhvr>
+                                    </p:animEffect>
+                                  </p:childTnLst>
+                                </p:cTn>
+                              </p:par>
+                            </p:childTnLst>
+                          </p:cTn>
+                        </p:par>
+                      </p:childTnLst>
+                    </p:cTn>
+                  </p:par>
+                </p:childTnLst>
+              </p:cTn>
+              <p:prevCondLst>
+                <p:cond evt="onPrev" delay="0">
+                  <p:tgtEl>
+                    <p:sldTgt/>
+                  </p:tgtEl>
+                </p:cond>
+              </p:prevCondLst>
+              <p:nextCondLst>
+                <p:cond evt="onNext" delay="0">
+                  <p:tgtEl>
+                    <p:sldTgt/>
+                  </p:tgtEl>
+                </p:cond>
+              </p:nextCondLst>
+            </p:seq>
+          </p:childTnLst>
+        </p:cTn>
       </p:par>
     </p:tnLst>
+    <p:bldLst>
+      <p:bldP spid="17411" grpId="0" build="p"/>
+    </p:bldLst>
   </p:timing>
 </p:sld>
 </file>
@@ -35283,7 +36209,858 @@
   <p:timing>
     <p:tnLst>
       <p:par>
-        <p:cTn id="1" dur="indefinite" restart="never" nodeType="tmRoot"/>
+        <p:cTn id="1" dur="indefinite" restart="never" nodeType="tmRoot">
+          <p:childTnLst>
+            <p:seq concurrent="1" nextAc="seek">
+              <p:cTn id="2" dur="indefinite" nodeType="mainSeq">
+                <p:childTnLst>
+                  <p:par>
+                    <p:cTn id="3" fill="hold">
+                      <p:stCondLst>
+                        <p:cond delay="indefinite"/>
+                      </p:stCondLst>
+                      <p:childTnLst>
+                        <p:par>
+                          <p:cTn id="4" fill="hold">
+                            <p:stCondLst>
+                              <p:cond delay="0"/>
+                            </p:stCondLst>
+                            <p:childTnLst>
+                              <p:par>
+                                <p:cTn id="5" presetID="10" presetClass="entr" presetSubtype="0" fill="hold" nodeType="clickEffect">
+                                  <p:stCondLst>
+                                    <p:cond delay="0"/>
+                                  </p:stCondLst>
+                                  <p:childTnLst>
+                                    <p:set>
+                                      <p:cBhvr>
+                                        <p:cTn id="6" dur="1" fill="hold">
+                                          <p:stCondLst>
+                                            <p:cond delay="0"/>
+                                          </p:stCondLst>
+                                        </p:cTn>
+                                        <p:tgtEl>
+                                          <p:spTgt spid="4">
+                                            <p:txEl>
+                                              <p:pRg st="0" end="0"/>
+                                            </p:txEl>
+                                          </p:spTgt>
+                                        </p:tgtEl>
+                                        <p:attrNameLst>
+                                          <p:attrName>style.visibility</p:attrName>
+                                        </p:attrNameLst>
+                                      </p:cBhvr>
+                                      <p:to>
+                                        <p:strVal val="visible"/>
+                                      </p:to>
+                                    </p:set>
+                                    <p:animEffect transition="in" filter="fade">
+                                      <p:cBhvr>
+                                        <p:cTn id="7" dur="500"/>
+                                        <p:tgtEl>
+                                          <p:spTgt spid="4">
+                                            <p:txEl>
+                                              <p:pRg st="0" end="0"/>
+                                            </p:txEl>
+                                          </p:spTgt>
+                                        </p:tgtEl>
+                                      </p:cBhvr>
+                                    </p:animEffect>
+                                  </p:childTnLst>
+                                </p:cTn>
+                              </p:par>
+                              <p:par>
+                                <p:cTn id="8" presetID="10" presetClass="entr" presetSubtype="0" fill="hold" nodeType="withEffect">
+                                  <p:stCondLst>
+                                    <p:cond delay="0"/>
+                                  </p:stCondLst>
+                                  <p:childTnLst>
+                                    <p:set>
+                                      <p:cBhvr>
+                                        <p:cTn id="9" dur="1" fill="hold">
+                                          <p:stCondLst>
+                                            <p:cond delay="0"/>
+                                          </p:stCondLst>
+                                        </p:cTn>
+                                        <p:tgtEl>
+                                          <p:spTgt spid="4">
+                                            <p:txEl>
+                                              <p:pRg st="1" end="1"/>
+                                            </p:txEl>
+                                          </p:spTgt>
+                                        </p:tgtEl>
+                                        <p:attrNameLst>
+                                          <p:attrName>style.visibility</p:attrName>
+                                        </p:attrNameLst>
+                                      </p:cBhvr>
+                                      <p:to>
+                                        <p:strVal val="visible"/>
+                                      </p:to>
+                                    </p:set>
+                                    <p:animEffect transition="in" filter="fade">
+                                      <p:cBhvr>
+                                        <p:cTn id="10" dur="500"/>
+                                        <p:tgtEl>
+                                          <p:spTgt spid="4">
+                                            <p:txEl>
+                                              <p:pRg st="1" end="1"/>
+                                            </p:txEl>
+                                          </p:spTgt>
+                                        </p:tgtEl>
+                                      </p:cBhvr>
+                                    </p:animEffect>
+                                  </p:childTnLst>
+                                </p:cTn>
+                              </p:par>
+                              <p:par>
+                                <p:cTn id="11" presetID="10" presetClass="entr" presetSubtype="0" fill="hold" nodeType="withEffect">
+                                  <p:stCondLst>
+                                    <p:cond delay="0"/>
+                                  </p:stCondLst>
+                                  <p:childTnLst>
+                                    <p:set>
+                                      <p:cBhvr>
+                                        <p:cTn id="12" dur="1" fill="hold">
+                                          <p:stCondLst>
+                                            <p:cond delay="0"/>
+                                          </p:stCondLst>
+                                        </p:cTn>
+                                        <p:tgtEl>
+                                          <p:spTgt spid="4">
+                                            <p:txEl>
+                                              <p:pRg st="2" end="2"/>
+                                            </p:txEl>
+                                          </p:spTgt>
+                                        </p:tgtEl>
+                                        <p:attrNameLst>
+                                          <p:attrName>style.visibility</p:attrName>
+                                        </p:attrNameLst>
+                                      </p:cBhvr>
+                                      <p:to>
+                                        <p:strVal val="visible"/>
+                                      </p:to>
+                                    </p:set>
+                                    <p:animEffect transition="in" filter="fade">
+                                      <p:cBhvr>
+                                        <p:cTn id="13" dur="500"/>
+                                        <p:tgtEl>
+                                          <p:spTgt spid="4">
+                                            <p:txEl>
+                                              <p:pRg st="2" end="2"/>
+                                            </p:txEl>
+                                          </p:spTgt>
+                                        </p:tgtEl>
+                                      </p:cBhvr>
+                                    </p:animEffect>
+                                  </p:childTnLst>
+                                </p:cTn>
+                              </p:par>
+                              <p:par>
+                                <p:cTn id="14" presetID="10" presetClass="entr" presetSubtype="0" fill="hold" nodeType="withEffect">
+                                  <p:stCondLst>
+                                    <p:cond delay="0"/>
+                                  </p:stCondLst>
+                                  <p:childTnLst>
+                                    <p:set>
+                                      <p:cBhvr>
+                                        <p:cTn id="15" dur="1" fill="hold">
+                                          <p:stCondLst>
+                                            <p:cond delay="0"/>
+                                          </p:stCondLst>
+                                        </p:cTn>
+                                        <p:tgtEl>
+                                          <p:spTgt spid="4">
+                                            <p:txEl>
+                                              <p:pRg st="3" end="3"/>
+                                            </p:txEl>
+                                          </p:spTgt>
+                                        </p:tgtEl>
+                                        <p:attrNameLst>
+                                          <p:attrName>style.visibility</p:attrName>
+                                        </p:attrNameLst>
+                                      </p:cBhvr>
+                                      <p:to>
+                                        <p:strVal val="visible"/>
+                                      </p:to>
+                                    </p:set>
+                                    <p:animEffect transition="in" filter="fade">
+                                      <p:cBhvr>
+                                        <p:cTn id="16" dur="500"/>
+                                        <p:tgtEl>
+                                          <p:spTgt spid="4">
+                                            <p:txEl>
+                                              <p:pRg st="3" end="3"/>
+                                            </p:txEl>
+                                          </p:spTgt>
+                                        </p:tgtEl>
+                                      </p:cBhvr>
+                                    </p:animEffect>
+                                  </p:childTnLst>
+                                </p:cTn>
+                              </p:par>
+                              <p:par>
+                                <p:cTn id="17" presetID="10" presetClass="entr" presetSubtype="0" fill="hold" nodeType="withEffect">
+                                  <p:stCondLst>
+                                    <p:cond delay="0"/>
+                                  </p:stCondLst>
+                                  <p:childTnLst>
+                                    <p:set>
+                                      <p:cBhvr>
+                                        <p:cTn id="18" dur="1" fill="hold">
+                                          <p:stCondLst>
+                                            <p:cond delay="0"/>
+                                          </p:stCondLst>
+                                        </p:cTn>
+                                        <p:tgtEl>
+                                          <p:spTgt spid="4">
+                                            <p:txEl>
+                                              <p:pRg st="4" end="4"/>
+                                            </p:txEl>
+                                          </p:spTgt>
+                                        </p:tgtEl>
+                                        <p:attrNameLst>
+                                          <p:attrName>style.visibility</p:attrName>
+                                        </p:attrNameLst>
+                                      </p:cBhvr>
+                                      <p:to>
+                                        <p:strVal val="visible"/>
+                                      </p:to>
+                                    </p:set>
+                                    <p:animEffect transition="in" filter="fade">
+                                      <p:cBhvr>
+                                        <p:cTn id="19" dur="500"/>
+                                        <p:tgtEl>
+                                          <p:spTgt spid="4">
+                                            <p:txEl>
+                                              <p:pRg st="4" end="4"/>
+                                            </p:txEl>
+                                          </p:spTgt>
+                                        </p:tgtEl>
+                                      </p:cBhvr>
+                                    </p:animEffect>
+                                  </p:childTnLst>
+                                </p:cTn>
+                              </p:par>
+                              <p:par>
+                                <p:cTn id="20" presetID="10" presetClass="entr" presetSubtype="0" fill="hold" nodeType="withEffect">
+                                  <p:stCondLst>
+                                    <p:cond delay="0"/>
+                                  </p:stCondLst>
+                                  <p:childTnLst>
+                                    <p:set>
+                                      <p:cBhvr>
+                                        <p:cTn id="21" dur="1" fill="hold">
+                                          <p:stCondLst>
+                                            <p:cond delay="0"/>
+                                          </p:stCondLst>
+                                        </p:cTn>
+                                        <p:tgtEl>
+                                          <p:spTgt spid="4">
+                                            <p:txEl>
+                                              <p:pRg st="5" end="5"/>
+                                            </p:txEl>
+                                          </p:spTgt>
+                                        </p:tgtEl>
+                                        <p:attrNameLst>
+                                          <p:attrName>style.visibility</p:attrName>
+                                        </p:attrNameLst>
+                                      </p:cBhvr>
+                                      <p:to>
+                                        <p:strVal val="visible"/>
+                                      </p:to>
+                                    </p:set>
+                                    <p:animEffect transition="in" filter="fade">
+                                      <p:cBhvr>
+                                        <p:cTn id="22" dur="500"/>
+                                        <p:tgtEl>
+                                          <p:spTgt spid="4">
+                                            <p:txEl>
+                                              <p:pRg st="5" end="5"/>
+                                            </p:txEl>
+                                          </p:spTgt>
+                                        </p:tgtEl>
+                                      </p:cBhvr>
+                                    </p:animEffect>
+                                  </p:childTnLst>
+                                </p:cTn>
+                              </p:par>
+                            </p:childTnLst>
+                          </p:cTn>
+                        </p:par>
+                      </p:childTnLst>
+                    </p:cTn>
+                  </p:par>
+                  <p:par>
+                    <p:cTn id="23" fill="hold">
+                      <p:stCondLst>
+                        <p:cond delay="indefinite"/>
+                      </p:stCondLst>
+                      <p:childTnLst>
+                        <p:par>
+                          <p:cTn id="24" fill="hold">
+                            <p:stCondLst>
+                              <p:cond delay="0"/>
+                            </p:stCondLst>
+                            <p:childTnLst>
+                              <p:par>
+                                <p:cTn id="25" presetID="10" presetClass="entr" presetSubtype="0" fill="hold" nodeType="clickEffect">
+                                  <p:stCondLst>
+                                    <p:cond delay="0"/>
+                                  </p:stCondLst>
+                                  <p:childTnLst>
+                                    <p:set>
+                                      <p:cBhvr>
+                                        <p:cTn id="26" dur="1" fill="hold">
+                                          <p:stCondLst>
+                                            <p:cond delay="0"/>
+                                          </p:stCondLst>
+                                        </p:cTn>
+                                        <p:tgtEl>
+                                          <p:spTgt spid="4">
+                                            <p:txEl>
+                                              <p:pRg st="7" end="7"/>
+                                            </p:txEl>
+                                          </p:spTgt>
+                                        </p:tgtEl>
+                                        <p:attrNameLst>
+                                          <p:attrName>style.visibility</p:attrName>
+                                        </p:attrNameLst>
+                                      </p:cBhvr>
+                                      <p:to>
+                                        <p:strVal val="visible"/>
+                                      </p:to>
+                                    </p:set>
+                                    <p:animEffect transition="in" filter="fade">
+                                      <p:cBhvr>
+                                        <p:cTn id="27" dur="500"/>
+                                        <p:tgtEl>
+                                          <p:spTgt spid="4">
+                                            <p:txEl>
+                                              <p:pRg st="7" end="7"/>
+                                            </p:txEl>
+                                          </p:spTgt>
+                                        </p:tgtEl>
+                                      </p:cBhvr>
+                                    </p:animEffect>
+                                  </p:childTnLst>
+                                </p:cTn>
+                              </p:par>
+                              <p:par>
+                                <p:cTn id="28" presetID="10" presetClass="entr" presetSubtype="0" fill="hold" nodeType="withEffect">
+                                  <p:stCondLst>
+                                    <p:cond delay="0"/>
+                                  </p:stCondLst>
+                                  <p:childTnLst>
+                                    <p:set>
+                                      <p:cBhvr>
+                                        <p:cTn id="29" dur="1" fill="hold">
+                                          <p:stCondLst>
+                                            <p:cond delay="0"/>
+                                          </p:stCondLst>
+                                        </p:cTn>
+                                        <p:tgtEl>
+                                          <p:spTgt spid="4">
+                                            <p:txEl>
+                                              <p:pRg st="8" end="8"/>
+                                            </p:txEl>
+                                          </p:spTgt>
+                                        </p:tgtEl>
+                                        <p:attrNameLst>
+                                          <p:attrName>style.visibility</p:attrName>
+                                        </p:attrNameLst>
+                                      </p:cBhvr>
+                                      <p:to>
+                                        <p:strVal val="visible"/>
+                                      </p:to>
+                                    </p:set>
+                                    <p:animEffect transition="in" filter="fade">
+                                      <p:cBhvr>
+                                        <p:cTn id="30" dur="500"/>
+                                        <p:tgtEl>
+                                          <p:spTgt spid="4">
+                                            <p:txEl>
+                                              <p:pRg st="8" end="8"/>
+                                            </p:txEl>
+                                          </p:spTgt>
+                                        </p:tgtEl>
+                                      </p:cBhvr>
+                                    </p:animEffect>
+                                  </p:childTnLst>
+                                </p:cTn>
+                              </p:par>
+                              <p:par>
+                                <p:cTn id="31" presetID="10" presetClass="entr" presetSubtype="0" fill="hold" nodeType="withEffect">
+                                  <p:stCondLst>
+                                    <p:cond delay="0"/>
+                                  </p:stCondLst>
+                                  <p:childTnLst>
+                                    <p:set>
+                                      <p:cBhvr>
+                                        <p:cTn id="32" dur="1" fill="hold">
+                                          <p:stCondLst>
+                                            <p:cond delay="0"/>
+                                          </p:stCondLst>
+                                        </p:cTn>
+                                        <p:tgtEl>
+                                          <p:spTgt spid="4">
+                                            <p:txEl>
+                                              <p:pRg st="9" end="9"/>
+                                            </p:txEl>
+                                          </p:spTgt>
+                                        </p:tgtEl>
+                                        <p:attrNameLst>
+                                          <p:attrName>style.visibility</p:attrName>
+                                        </p:attrNameLst>
+                                      </p:cBhvr>
+                                      <p:to>
+                                        <p:strVal val="visible"/>
+                                      </p:to>
+                                    </p:set>
+                                    <p:animEffect transition="in" filter="fade">
+                                      <p:cBhvr>
+                                        <p:cTn id="33" dur="500"/>
+                                        <p:tgtEl>
+                                          <p:spTgt spid="4">
+                                            <p:txEl>
+                                              <p:pRg st="9" end="9"/>
+                                            </p:txEl>
+                                          </p:spTgt>
+                                        </p:tgtEl>
+                                      </p:cBhvr>
+                                    </p:animEffect>
+                                  </p:childTnLst>
+                                </p:cTn>
+                              </p:par>
+                              <p:par>
+                                <p:cTn id="34" presetID="10" presetClass="entr" presetSubtype="0" fill="hold" nodeType="withEffect">
+                                  <p:stCondLst>
+                                    <p:cond delay="0"/>
+                                  </p:stCondLst>
+                                  <p:childTnLst>
+                                    <p:set>
+                                      <p:cBhvr>
+                                        <p:cTn id="35" dur="1" fill="hold">
+                                          <p:stCondLst>
+                                            <p:cond delay="0"/>
+                                          </p:stCondLst>
+                                        </p:cTn>
+                                        <p:tgtEl>
+                                          <p:spTgt spid="4">
+                                            <p:txEl>
+                                              <p:pRg st="10" end="10"/>
+                                            </p:txEl>
+                                          </p:spTgt>
+                                        </p:tgtEl>
+                                        <p:attrNameLst>
+                                          <p:attrName>style.visibility</p:attrName>
+                                        </p:attrNameLst>
+                                      </p:cBhvr>
+                                      <p:to>
+                                        <p:strVal val="visible"/>
+                                      </p:to>
+                                    </p:set>
+                                    <p:animEffect transition="in" filter="fade">
+                                      <p:cBhvr>
+                                        <p:cTn id="36" dur="500"/>
+                                        <p:tgtEl>
+                                          <p:spTgt spid="4">
+                                            <p:txEl>
+                                              <p:pRg st="10" end="10"/>
+                                            </p:txEl>
+                                          </p:spTgt>
+                                        </p:tgtEl>
+                                      </p:cBhvr>
+                                    </p:animEffect>
+                                  </p:childTnLst>
+                                </p:cTn>
+                              </p:par>
+                              <p:par>
+                                <p:cTn id="37" presetID="10" presetClass="entr" presetSubtype="0" fill="hold" nodeType="withEffect">
+                                  <p:stCondLst>
+                                    <p:cond delay="0"/>
+                                  </p:stCondLst>
+                                  <p:childTnLst>
+                                    <p:set>
+                                      <p:cBhvr>
+                                        <p:cTn id="38" dur="1" fill="hold">
+                                          <p:stCondLst>
+                                            <p:cond delay="0"/>
+                                          </p:stCondLst>
+                                        </p:cTn>
+                                        <p:tgtEl>
+                                          <p:spTgt spid="4">
+                                            <p:txEl>
+                                              <p:pRg st="11" end="11"/>
+                                            </p:txEl>
+                                          </p:spTgt>
+                                        </p:tgtEl>
+                                        <p:attrNameLst>
+                                          <p:attrName>style.visibility</p:attrName>
+                                        </p:attrNameLst>
+                                      </p:cBhvr>
+                                      <p:to>
+                                        <p:strVal val="visible"/>
+                                      </p:to>
+                                    </p:set>
+                                    <p:animEffect transition="in" filter="fade">
+                                      <p:cBhvr>
+                                        <p:cTn id="39" dur="500"/>
+                                        <p:tgtEl>
+                                          <p:spTgt spid="4">
+                                            <p:txEl>
+                                              <p:pRg st="11" end="11"/>
+                                            </p:txEl>
+                                          </p:spTgt>
+                                        </p:tgtEl>
+                                      </p:cBhvr>
+                                    </p:animEffect>
+                                  </p:childTnLst>
+                                </p:cTn>
+                              </p:par>
+                              <p:par>
+                                <p:cTn id="40" presetID="10" presetClass="entr" presetSubtype="0" fill="hold" nodeType="withEffect">
+                                  <p:stCondLst>
+                                    <p:cond delay="0"/>
+                                  </p:stCondLst>
+                                  <p:childTnLst>
+                                    <p:set>
+                                      <p:cBhvr>
+                                        <p:cTn id="41" dur="1" fill="hold">
+                                          <p:stCondLst>
+                                            <p:cond delay="0"/>
+                                          </p:stCondLst>
+                                        </p:cTn>
+                                        <p:tgtEl>
+                                          <p:spTgt spid="4">
+                                            <p:txEl>
+                                              <p:pRg st="12" end="12"/>
+                                            </p:txEl>
+                                          </p:spTgt>
+                                        </p:tgtEl>
+                                        <p:attrNameLst>
+                                          <p:attrName>style.visibility</p:attrName>
+                                        </p:attrNameLst>
+                                      </p:cBhvr>
+                                      <p:to>
+                                        <p:strVal val="visible"/>
+                                      </p:to>
+                                    </p:set>
+                                    <p:animEffect transition="in" filter="fade">
+                                      <p:cBhvr>
+                                        <p:cTn id="42" dur="500"/>
+                                        <p:tgtEl>
+                                          <p:spTgt spid="4">
+                                            <p:txEl>
+                                              <p:pRg st="12" end="12"/>
+                                            </p:txEl>
+                                          </p:spTgt>
+                                        </p:tgtEl>
+                                      </p:cBhvr>
+                                    </p:animEffect>
+                                  </p:childTnLst>
+                                </p:cTn>
+                              </p:par>
+                            </p:childTnLst>
+                          </p:cTn>
+                        </p:par>
+                      </p:childTnLst>
+                    </p:cTn>
+                  </p:par>
+                  <p:par>
+                    <p:cTn id="43" fill="hold">
+                      <p:stCondLst>
+                        <p:cond delay="indefinite"/>
+                      </p:stCondLst>
+                      <p:childTnLst>
+                        <p:par>
+                          <p:cTn id="44" fill="hold">
+                            <p:stCondLst>
+                              <p:cond delay="0"/>
+                            </p:stCondLst>
+                            <p:childTnLst>
+                              <p:par>
+                                <p:cTn id="45" presetID="10" presetClass="entr" presetSubtype="0" fill="hold" nodeType="clickEffect">
+                                  <p:stCondLst>
+                                    <p:cond delay="0"/>
+                                  </p:stCondLst>
+                                  <p:childTnLst>
+                                    <p:set>
+                                      <p:cBhvr>
+                                        <p:cTn id="46" dur="1" fill="hold">
+                                          <p:stCondLst>
+                                            <p:cond delay="0"/>
+                                          </p:stCondLst>
+                                        </p:cTn>
+                                        <p:tgtEl>
+                                          <p:spTgt spid="4">
+                                            <p:txEl>
+                                              <p:pRg st="14" end="14"/>
+                                            </p:txEl>
+                                          </p:spTgt>
+                                        </p:tgtEl>
+                                        <p:attrNameLst>
+                                          <p:attrName>style.visibility</p:attrName>
+                                        </p:attrNameLst>
+                                      </p:cBhvr>
+                                      <p:to>
+                                        <p:strVal val="visible"/>
+                                      </p:to>
+                                    </p:set>
+                                    <p:animEffect transition="in" filter="fade">
+                                      <p:cBhvr>
+                                        <p:cTn id="47" dur="500"/>
+                                        <p:tgtEl>
+                                          <p:spTgt spid="4">
+                                            <p:txEl>
+                                              <p:pRg st="14" end="14"/>
+                                            </p:txEl>
+                                          </p:spTgt>
+                                        </p:tgtEl>
+                                      </p:cBhvr>
+                                    </p:animEffect>
+                                  </p:childTnLst>
+                                </p:cTn>
+                              </p:par>
+                              <p:par>
+                                <p:cTn id="48" presetID="10" presetClass="entr" presetSubtype="0" fill="hold" nodeType="withEffect">
+                                  <p:stCondLst>
+                                    <p:cond delay="0"/>
+                                  </p:stCondLst>
+                                  <p:childTnLst>
+                                    <p:set>
+                                      <p:cBhvr>
+                                        <p:cTn id="49" dur="1" fill="hold">
+                                          <p:stCondLst>
+                                            <p:cond delay="0"/>
+                                          </p:stCondLst>
+                                        </p:cTn>
+                                        <p:tgtEl>
+                                          <p:spTgt spid="4">
+                                            <p:txEl>
+                                              <p:pRg st="15" end="15"/>
+                                            </p:txEl>
+                                          </p:spTgt>
+                                        </p:tgtEl>
+                                        <p:attrNameLst>
+                                          <p:attrName>style.visibility</p:attrName>
+                                        </p:attrNameLst>
+                                      </p:cBhvr>
+                                      <p:to>
+                                        <p:strVal val="visible"/>
+                                      </p:to>
+                                    </p:set>
+                                    <p:animEffect transition="in" filter="fade">
+                                      <p:cBhvr>
+                                        <p:cTn id="50" dur="500"/>
+                                        <p:tgtEl>
+                                          <p:spTgt spid="4">
+                                            <p:txEl>
+                                              <p:pRg st="15" end="15"/>
+                                            </p:txEl>
+                                          </p:spTgt>
+                                        </p:tgtEl>
+                                      </p:cBhvr>
+                                    </p:animEffect>
+                                  </p:childTnLst>
+                                </p:cTn>
+                              </p:par>
+                              <p:par>
+                                <p:cTn id="51" presetID="10" presetClass="entr" presetSubtype="0" fill="hold" nodeType="withEffect">
+                                  <p:stCondLst>
+                                    <p:cond delay="0"/>
+                                  </p:stCondLst>
+                                  <p:childTnLst>
+                                    <p:set>
+                                      <p:cBhvr>
+                                        <p:cTn id="52" dur="1" fill="hold">
+                                          <p:stCondLst>
+                                            <p:cond delay="0"/>
+                                          </p:stCondLst>
+                                        </p:cTn>
+                                        <p:tgtEl>
+                                          <p:spTgt spid="4">
+                                            <p:txEl>
+                                              <p:pRg st="16" end="16"/>
+                                            </p:txEl>
+                                          </p:spTgt>
+                                        </p:tgtEl>
+                                        <p:attrNameLst>
+                                          <p:attrName>style.visibility</p:attrName>
+                                        </p:attrNameLst>
+                                      </p:cBhvr>
+                                      <p:to>
+                                        <p:strVal val="visible"/>
+                                      </p:to>
+                                    </p:set>
+                                    <p:animEffect transition="in" filter="fade">
+                                      <p:cBhvr>
+                                        <p:cTn id="53" dur="500"/>
+                                        <p:tgtEl>
+                                          <p:spTgt spid="4">
+                                            <p:txEl>
+                                              <p:pRg st="16" end="16"/>
+                                            </p:txEl>
+                                          </p:spTgt>
+                                        </p:tgtEl>
+                                      </p:cBhvr>
+                                    </p:animEffect>
+                                  </p:childTnLst>
+                                </p:cTn>
+                              </p:par>
+                              <p:par>
+                                <p:cTn id="54" presetID="10" presetClass="entr" presetSubtype="0" fill="hold" nodeType="withEffect">
+                                  <p:stCondLst>
+                                    <p:cond delay="0"/>
+                                  </p:stCondLst>
+                                  <p:childTnLst>
+                                    <p:set>
+                                      <p:cBhvr>
+                                        <p:cTn id="55" dur="1" fill="hold">
+                                          <p:stCondLst>
+                                            <p:cond delay="0"/>
+                                          </p:stCondLst>
+                                        </p:cTn>
+                                        <p:tgtEl>
+                                          <p:spTgt spid="4">
+                                            <p:txEl>
+                                              <p:pRg st="17" end="17"/>
+                                            </p:txEl>
+                                          </p:spTgt>
+                                        </p:tgtEl>
+                                        <p:attrNameLst>
+                                          <p:attrName>style.visibility</p:attrName>
+                                        </p:attrNameLst>
+                                      </p:cBhvr>
+                                      <p:to>
+                                        <p:strVal val="visible"/>
+                                      </p:to>
+                                    </p:set>
+                                    <p:animEffect transition="in" filter="fade">
+                                      <p:cBhvr>
+                                        <p:cTn id="56" dur="500"/>
+                                        <p:tgtEl>
+                                          <p:spTgt spid="4">
+                                            <p:txEl>
+                                              <p:pRg st="17" end="17"/>
+                                            </p:txEl>
+                                          </p:spTgt>
+                                        </p:tgtEl>
+                                      </p:cBhvr>
+                                    </p:animEffect>
+                                  </p:childTnLst>
+                                </p:cTn>
+                              </p:par>
+                              <p:par>
+                                <p:cTn id="57" presetID="10" presetClass="entr" presetSubtype="0" fill="hold" nodeType="withEffect">
+                                  <p:stCondLst>
+                                    <p:cond delay="0"/>
+                                  </p:stCondLst>
+                                  <p:childTnLst>
+                                    <p:set>
+                                      <p:cBhvr>
+                                        <p:cTn id="58" dur="1" fill="hold">
+                                          <p:stCondLst>
+                                            <p:cond delay="0"/>
+                                          </p:stCondLst>
+                                        </p:cTn>
+                                        <p:tgtEl>
+                                          <p:spTgt spid="4">
+                                            <p:txEl>
+                                              <p:pRg st="18" end="18"/>
+                                            </p:txEl>
+                                          </p:spTgt>
+                                        </p:tgtEl>
+                                        <p:attrNameLst>
+                                          <p:attrName>style.visibility</p:attrName>
+                                        </p:attrNameLst>
+                                      </p:cBhvr>
+                                      <p:to>
+                                        <p:strVal val="visible"/>
+                                      </p:to>
+                                    </p:set>
+                                    <p:animEffect transition="in" filter="fade">
+                                      <p:cBhvr>
+                                        <p:cTn id="59" dur="500"/>
+                                        <p:tgtEl>
+                                          <p:spTgt spid="4">
+                                            <p:txEl>
+                                              <p:pRg st="18" end="18"/>
+                                            </p:txEl>
+                                          </p:spTgt>
+                                        </p:tgtEl>
+                                      </p:cBhvr>
+                                    </p:animEffect>
+                                  </p:childTnLst>
+                                </p:cTn>
+                              </p:par>
+                              <p:par>
+                                <p:cTn id="60" presetID="10" presetClass="entr" presetSubtype="0" fill="hold" nodeType="withEffect">
+                                  <p:stCondLst>
+                                    <p:cond delay="0"/>
+                                  </p:stCondLst>
+                                  <p:childTnLst>
+                                    <p:set>
+                                      <p:cBhvr>
+                                        <p:cTn id="61" dur="1" fill="hold">
+                                          <p:stCondLst>
+                                            <p:cond delay="0"/>
+                                          </p:stCondLst>
+                                        </p:cTn>
+                                        <p:tgtEl>
+                                          <p:spTgt spid="4">
+                                            <p:txEl>
+                                              <p:pRg st="19" end="19"/>
+                                            </p:txEl>
+                                          </p:spTgt>
+                                        </p:tgtEl>
+                                        <p:attrNameLst>
+                                          <p:attrName>style.visibility</p:attrName>
+                                        </p:attrNameLst>
+                                      </p:cBhvr>
+                                      <p:to>
+                                        <p:strVal val="visible"/>
+                                      </p:to>
+                                    </p:set>
+                                    <p:animEffect transition="in" filter="fade">
+                                      <p:cBhvr>
+                                        <p:cTn id="62" dur="500"/>
+                                        <p:tgtEl>
+                                          <p:spTgt spid="4">
+                                            <p:txEl>
+                                              <p:pRg st="19" end="19"/>
+                                            </p:txEl>
+                                          </p:spTgt>
+                                        </p:tgtEl>
+                                      </p:cBhvr>
+                                    </p:animEffect>
+                                  </p:childTnLst>
+                                </p:cTn>
+                              </p:par>
+                            </p:childTnLst>
+                          </p:cTn>
+                        </p:par>
+                      </p:childTnLst>
+                    </p:cTn>
+                  </p:par>
+                </p:childTnLst>
+              </p:cTn>
+              <p:prevCondLst>
+                <p:cond evt="onPrev" delay="0">
+                  <p:tgtEl>
+                    <p:sldTgt/>
+                  </p:tgtEl>
+                </p:cond>
+              </p:prevCondLst>
+              <p:nextCondLst>
+                <p:cond evt="onNext" delay="0">
+                  <p:tgtEl>
+                    <p:sldTgt/>
+                  </p:tgtEl>
+                </p:cond>
+              </p:nextCondLst>
+            </p:seq>
+          </p:childTnLst>
+        </p:cTn>
       </p:par>
     </p:tnLst>
   </p:timing>
@@ -40040,9 +41817,88 @@
   <p:timing>
     <p:tnLst>
       <p:par>
-        <p:cTn id="1" dur="indefinite" restart="never" nodeType="tmRoot"/>
+        <p:cTn id="1" dur="indefinite" restart="never" nodeType="tmRoot">
+          <p:childTnLst>
+            <p:seq concurrent="1" nextAc="seek">
+              <p:cTn id="2" dur="indefinite" nodeType="mainSeq">
+                <p:childTnLst>
+                  <p:par>
+                    <p:cTn id="3" fill="hold">
+                      <p:stCondLst>
+                        <p:cond delay="indefinite"/>
+                      </p:stCondLst>
+                      <p:childTnLst>
+                        <p:par>
+                          <p:cTn id="4" fill="hold">
+                            <p:stCondLst>
+                              <p:cond delay="0"/>
+                            </p:stCondLst>
+                            <p:childTnLst>
+                              <p:par>
+                                <p:cTn id="5" presetID="10" presetClass="entr" presetSubtype="0" fill="hold" grpId="0" nodeType="clickEffect">
+                                  <p:stCondLst>
+                                    <p:cond delay="0"/>
+                                  </p:stCondLst>
+                                  <p:childTnLst>
+                                    <p:set>
+                                      <p:cBhvr>
+                                        <p:cTn id="6" dur="1" fill="hold">
+                                          <p:stCondLst>
+                                            <p:cond delay="0"/>
+                                          </p:stCondLst>
+                                        </p:cTn>
+                                        <p:tgtEl>
+                                          <p:spTgt spid="5"/>
+                                        </p:tgtEl>
+                                        <p:attrNameLst>
+                                          <p:attrName>style.visibility</p:attrName>
+                                        </p:attrNameLst>
+                                      </p:cBhvr>
+                                      <p:to>
+                                        <p:strVal val="visible"/>
+                                      </p:to>
+                                    </p:set>
+                                    <p:animEffect transition="in" filter="fade">
+                                      <p:cBhvr>
+                                        <p:cTn id="7" dur="500"/>
+                                        <p:tgtEl>
+                                          <p:spTgt spid="5"/>
+                                        </p:tgtEl>
+                                      </p:cBhvr>
+                                    </p:animEffect>
+                                  </p:childTnLst>
+                                </p:cTn>
+                              </p:par>
+                            </p:childTnLst>
+                          </p:cTn>
+                        </p:par>
+                      </p:childTnLst>
+                    </p:cTn>
+                  </p:par>
+                </p:childTnLst>
+              </p:cTn>
+              <p:prevCondLst>
+                <p:cond evt="onPrev" delay="0">
+                  <p:tgtEl>
+                    <p:sldTgt/>
+                  </p:tgtEl>
+                </p:cond>
+              </p:prevCondLst>
+              <p:nextCondLst>
+                <p:cond evt="onNext" delay="0">
+                  <p:tgtEl>
+                    <p:sldTgt/>
+                  </p:tgtEl>
+                </p:cond>
+              </p:nextCondLst>
+            </p:seq>
+          </p:childTnLst>
+        </p:cTn>
       </p:par>
     </p:tnLst>
+    <p:bldLst>
+      <p:bldP spid="5" grpId="0" animBg="1"/>
+    </p:bldLst>
   </p:timing>
 </p:sld>
 </file>
@@ -42091,9 +43947,1113 @@
   <p:timing>
     <p:tnLst>
       <p:par>
-        <p:cTn id="1" dur="indefinite" restart="never" nodeType="tmRoot"/>
+        <p:cTn id="1" dur="indefinite" restart="never" nodeType="tmRoot">
+          <p:childTnLst>
+            <p:seq concurrent="1" nextAc="seek">
+              <p:cTn id="2" dur="indefinite" nodeType="mainSeq">
+                <p:childTnLst>
+                  <p:par>
+                    <p:cTn id="3" fill="hold">
+                      <p:stCondLst>
+                        <p:cond delay="indefinite"/>
+                      </p:stCondLst>
+                      <p:childTnLst>
+                        <p:par>
+                          <p:cTn id="4" fill="hold">
+                            <p:stCondLst>
+                              <p:cond delay="0"/>
+                            </p:stCondLst>
+                            <p:childTnLst>
+                              <p:par>
+                                <p:cTn id="5" presetID="10" presetClass="entr" presetSubtype="0" fill="hold" nodeType="clickEffect">
+                                  <p:stCondLst>
+                                    <p:cond delay="0"/>
+                                  </p:stCondLst>
+                                  <p:childTnLst>
+                                    <p:set>
+                                      <p:cBhvr>
+                                        <p:cTn id="6" dur="1" fill="hold">
+                                          <p:stCondLst>
+                                            <p:cond delay="0"/>
+                                          </p:stCondLst>
+                                        </p:cTn>
+                                        <p:tgtEl>
+                                          <p:spTgt spid="8">
+                                            <p:txEl>
+                                              <p:pRg st="0" end="0"/>
+                                            </p:txEl>
+                                          </p:spTgt>
+                                        </p:tgtEl>
+                                        <p:attrNameLst>
+                                          <p:attrName>style.visibility</p:attrName>
+                                        </p:attrNameLst>
+                                      </p:cBhvr>
+                                      <p:to>
+                                        <p:strVal val="visible"/>
+                                      </p:to>
+                                    </p:set>
+                                    <p:animEffect transition="in" filter="fade">
+                                      <p:cBhvr>
+                                        <p:cTn id="7" dur="500"/>
+                                        <p:tgtEl>
+                                          <p:spTgt spid="8">
+                                            <p:txEl>
+                                              <p:pRg st="0" end="0"/>
+                                            </p:txEl>
+                                          </p:spTgt>
+                                        </p:tgtEl>
+                                      </p:cBhvr>
+                                    </p:animEffect>
+                                  </p:childTnLst>
+                                </p:cTn>
+                              </p:par>
+                              <p:par>
+                                <p:cTn id="8" presetID="10" presetClass="entr" presetSubtype="0" fill="hold" nodeType="withEffect">
+                                  <p:stCondLst>
+                                    <p:cond delay="0"/>
+                                  </p:stCondLst>
+                                  <p:childTnLst>
+                                    <p:set>
+                                      <p:cBhvr>
+                                        <p:cTn id="9" dur="1" fill="hold">
+                                          <p:stCondLst>
+                                            <p:cond delay="0"/>
+                                          </p:stCondLst>
+                                        </p:cTn>
+                                        <p:tgtEl>
+                                          <p:spTgt spid="8">
+                                            <p:txEl>
+                                              <p:pRg st="1" end="1"/>
+                                            </p:txEl>
+                                          </p:spTgt>
+                                        </p:tgtEl>
+                                        <p:attrNameLst>
+                                          <p:attrName>style.visibility</p:attrName>
+                                        </p:attrNameLst>
+                                      </p:cBhvr>
+                                      <p:to>
+                                        <p:strVal val="visible"/>
+                                      </p:to>
+                                    </p:set>
+                                    <p:animEffect transition="in" filter="fade">
+                                      <p:cBhvr>
+                                        <p:cTn id="10" dur="500"/>
+                                        <p:tgtEl>
+                                          <p:spTgt spid="8">
+                                            <p:txEl>
+                                              <p:pRg st="1" end="1"/>
+                                            </p:txEl>
+                                          </p:spTgt>
+                                        </p:tgtEl>
+                                      </p:cBhvr>
+                                    </p:animEffect>
+                                  </p:childTnLst>
+                                </p:cTn>
+                              </p:par>
+                              <p:par>
+                                <p:cTn id="11" presetID="10" presetClass="entr" presetSubtype="0" fill="hold" nodeType="withEffect">
+                                  <p:stCondLst>
+                                    <p:cond delay="0"/>
+                                  </p:stCondLst>
+                                  <p:childTnLst>
+                                    <p:set>
+                                      <p:cBhvr>
+                                        <p:cTn id="12" dur="1" fill="hold">
+                                          <p:stCondLst>
+                                            <p:cond delay="0"/>
+                                          </p:stCondLst>
+                                        </p:cTn>
+                                        <p:tgtEl>
+                                          <p:spTgt spid="8">
+                                            <p:txEl>
+                                              <p:pRg st="2" end="2"/>
+                                            </p:txEl>
+                                          </p:spTgt>
+                                        </p:tgtEl>
+                                        <p:attrNameLst>
+                                          <p:attrName>style.visibility</p:attrName>
+                                        </p:attrNameLst>
+                                      </p:cBhvr>
+                                      <p:to>
+                                        <p:strVal val="visible"/>
+                                      </p:to>
+                                    </p:set>
+                                    <p:animEffect transition="in" filter="fade">
+                                      <p:cBhvr>
+                                        <p:cTn id="13" dur="500"/>
+                                        <p:tgtEl>
+                                          <p:spTgt spid="8">
+                                            <p:txEl>
+                                              <p:pRg st="2" end="2"/>
+                                            </p:txEl>
+                                          </p:spTgt>
+                                        </p:tgtEl>
+                                      </p:cBhvr>
+                                    </p:animEffect>
+                                  </p:childTnLst>
+                                </p:cTn>
+                              </p:par>
+                              <p:par>
+                                <p:cTn id="14" presetID="10" presetClass="entr" presetSubtype="0" fill="hold" nodeType="withEffect">
+                                  <p:stCondLst>
+                                    <p:cond delay="0"/>
+                                  </p:stCondLst>
+                                  <p:childTnLst>
+                                    <p:set>
+                                      <p:cBhvr>
+                                        <p:cTn id="15" dur="1" fill="hold">
+                                          <p:stCondLst>
+                                            <p:cond delay="0"/>
+                                          </p:stCondLst>
+                                        </p:cTn>
+                                        <p:tgtEl>
+                                          <p:spTgt spid="8">
+                                            <p:txEl>
+                                              <p:pRg st="3" end="3"/>
+                                            </p:txEl>
+                                          </p:spTgt>
+                                        </p:tgtEl>
+                                        <p:attrNameLst>
+                                          <p:attrName>style.visibility</p:attrName>
+                                        </p:attrNameLst>
+                                      </p:cBhvr>
+                                      <p:to>
+                                        <p:strVal val="visible"/>
+                                      </p:to>
+                                    </p:set>
+                                    <p:animEffect transition="in" filter="fade">
+                                      <p:cBhvr>
+                                        <p:cTn id="16" dur="500"/>
+                                        <p:tgtEl>
+                                          <p:spTgt spid="8">
+                                            <p:txEl>
+                                              <p:pRg st="3" end="3"/>
+                                            </p:txEl>
+                                          </p:spTgt>
+                                        </p:tgtEl>
+                                      </p:cBhvr>
+                                    </p:animEffect>
+                                  </p:childTnLst>
+                                </p:cTn>
+                              </p:par>
+                              <p:par>
+                                <p:cTn id="17" presetID="10" presetClass="entr" presetSubtype="0" fill="hold" nodeType="withEffect">
+                                  <p:stCondLst>
+                                    <p:cond delay="0"/>
+                                  </p:stCondLst>
+                                  <p:childTnLst>
+                                    <p:set>
+                                      <p:cBhvr>
+                                        <p:cTn id="18" dur="1" fill="hold">
+                                          <p:stCondLst>
+                                            <p:cond delay="0"/>
+                                          </p:stCondLst>
+                                        </p:cTn>
+                                        <p:tgtEl>
+                                          <p:spTgt spid="8">
+                                            <p:txEl>
+                                              <p:pRg st="4" end="4"/>
+                                            </p:txEl>
+                                          </p:spTgt>
+                                        </p:tgtEl>
+                                        <p:attrNameLst>
+                                          <p:attrName>style.visibility</p:attrName>
+                                        </p:attrNameLst>
+                                      </p:cBhvr>
+                                      <p:to>
+                                        <p:strVal val="visible"/>
+                                      </p:to>
+                                    </p:set>
+                                    <p:animEffect transition="in" filter="fade">
+                                      <p:cBhvr>
+                                        <p:cTn id="19" dur="500"/>
+                                        <p:tgtEl>
+                                          <p:spTgt spid="8">
+                                            <p:txEl>
+                                              <p:pRg st="4" end="4"/>
+                                            </p:txEl>
+                                          </p:spTgt>
+                                        </p:tgtEl>
+                                      </p:cBhvr>
+                                    </p:animEffect>
+                                  </p:childTnLst>
+                                </p:cTn>
+                              </p:par>
+                              <p:par>
+                                <p:cTn id="20" presetID="10" presetClass="entr" presetSubtype="0" fill="hold" nodeType="withEffect">
+                                  <p:stCondLst>
+                                    <p:cond delay="0"/>
+                                  </p:stCondLst>
+                                  <p:childTnLst>
+                                    <p:set>
+                                      <p:cBhvr>
+                                        <p:cTn id="21" dur="1" fill="hold">
+                                          <p:stCondLst>
+                                            <p:cond delay="0"/>
+                                          </p:stCondLst>
+                                        </p:cTn>
+                                        <p:tgtEl>
+                                          <p:spTgt spid="8">
+                                            <p:txEl>
+                                              <p:pRg st="5" end="5"/>
+                                            </p:txEl>
+                                          </p:spTgt>
+                                        </p:tgtEl>
+                                        <p:attrNameLst>
+                                          <p:attrName>style.visibility</p:attrName>
+                                        </p:attrNameLst>
+                                      </p:cBhvr>
+                                      <p:to>
+                                        <p:strVal val="visible"/>
+                                      </p:to>
+                                    </p:set>
+                                    <p:animEffect transition="in" filter="fade">
+                                      <p:cBhvr>
+                                        <p:cTn id="22" dur="500"/>
+                                        <p:tgtEl>
+                                          <p:spTgt spid="8">
+                                            <p:txEl>
+                                              <p:pRg st="5" end="5"/>
+                                            </p:txEl>
+                                          </p:spTgt>
+                                        </p:tgtEl>
+                                      </p:cBhvr>
+                                    </p:animEffect>
+                                  </p:childTnLst>
+                                </p:cTn>
+                              </p:par>
+                              <p:par>
+                                <p:cTn id="23" presetID="10" presetClass="entr" presetSubtype="0" fill="hold" nodeType="withEffect">
+                                  <p:stCondLst>
+                                    <p:cond delay="0"/>
+                                  </p:stCondLst>
+                                  <p:childTnLst>
+                                    <p:set>
+                                      <p:cBhvr>
+                                        <p:cTn id="24" dur="1" fill="hold">
+                                          <p:stCondLst>
+                                            <p:cond delay="0"/>
+                                          </p:stCondLst>
+                                        </p:cTn>
+                                        <p:tgtEl>
+                                          <p:spTgt spid="8">
+                                            <p:txEl>
+                                              <p:pRg st="6" end="6"/>
+                                            </p:txEl>
+                                          </p:spTgt>
+                                        </p:tgtEl>
+                                        <p:attrNameLst>
+                                          <p:attrName>style.visibility</p:attrName>
+                                        </p:attrNameLst>
+                                      </p:cBhvr>
+                                      <p:to>
+                                        <p:strVal val="visible"/>
+                                      </p:to>
+                                    </p:set>
+                                    <p:animEffect transition="in" filter="fade">
+                                      <p:cBhvr>
+                                        <p:cTn id="25" dur="500"/>
+                                        <p:tgtEl>
+                                          <p:spTgt spid="8">
+                                            <p:txEl>
+                                              <p:pRg st="6" end="6"/>
+                                            </p:txEl>
+                                          </p:spTgt>
+                                        </p:tgtEl>
+                                      </p:cBhvr>
+                                    </p:animEffect>
+                                  </p:childTnLst>
+                                </p:cTn>
+                              </p:par>
+                              <p:par>
+                                <p:cTn id="26" presetID="10" presetClass="entr" presetSubtype="0" fill="hold" nodeType="withEffect">
+                                  <p:stCondLst>
+                                    <p:cond delay="0"/>
+                                  </p:stCondLst>
+                                  <p:childTnLst>
+                                    <p:set>
+                                      <p:cBhvr>
+                                        <p:cTn id="27" dur="1" fill="hold">
+                                          <p:stCondLst>
+                                            <p:cond delay="0"/>
+                                          </p:stCondLst>
+                                        </p:cTn>
+                                        <p:tgtEl>
+                                          <p:spTgt spid="8">
+                                            <p:txEl>
+                                              <p:pRg st="7" end="7"/>
+                                            </p:txEl>
+                                          </p:spTgt>
+                                        </p:tgtEl>
+                                        <p:attrNameLst>
+                                          <p:attrName>style.visibility</p:attrName>
+                                        </p:attrNameLst>
+                                      </p:cBhvr>
+                                      <p:to>
+                                        <p:strVal val="visible"/>
+                                      </p:to>
+                                    </p:set>
+                                    <p:animEffect transition="in" filter="fade">
+                                      <p:cBhvr>
+                                        <p:cTn id="28" dur="500"/>
+                                        <p:tgtEl>
+                                          <p:spTgt spid="8">
+                                            <p:txEl>
+                                              <p:pRg st="7" end="7"/>
+                                            </p:txEl>
+                                          </p:spTgt>
+                                        </p:tgtEl>
+                                      </p:cBhvr>
+                                    </p:animEffect>
+                                  </p:childTnLst>
+                                </p:cTn>
+                              </p:par>
+                              <p:par>
+                                <p:cTn id="29" presetID="10" presetClass="entr" presetSubtype="0" fill="hold" nodeType="withEffect">
+                                  <p:stCondLst>
+                                    <p:cond delay="0"/>
+                                  </p:stCondLst>
+                                  <p:childTnLst>
+                                    <p:set>
+                                      <p:cBhvr>
+                                        <p:cTn id="30" dur="1" fill="hold">
+                                          <p:stCondLst>
+                                            <p:cond delay="0"/>
+                                          </p:stCondLst>
+                                        </p:cTn>
+                                        <p:tgtEl>
+                                          <p:spTgt spid="8">
+                                            <p:txEl>
+                                              <p:pRg st="8" end="8"/>
+                                            </p:txEl>
+                                          </p:spTgt>
+                                        </p:tgtEl>
+                                        <p:attrNameLst>
+                                          <p:attrName>style.visibility</p:attrName>
+                                        </p:attrNameLst>
+                                      </p:cBhvr>
+                                      <p:to>
+                                        <p:strVal val="visible"/>
+                                      </p:to>
+                                    </p:set>
+                                    <p:animEffect transition="in" filter="fade">
+                                      <p:cBhvr>
+                                        <p:cTn id="31" dur="500"/>
+                                        <p:tgtEl>
+                                          <p:spTgt spid="8">
+                                            <p:txEl>
+                                              <p:pRg st="8" end="8"/>
+                                            </p:txEl>
+                                          </p:spTgt>
+                                        </p:tgtEl>
+                                      </p:cBhvr>
+                                    </p:animEffect>
+                                  </p:childTnLst>
+                                </p:cTn>
+                              </p:par>
+                              <p:par>
+                                <p:cTn id="32" presetID="10" presetClass="entr" presetSubtype="0" fill="hold" nodeType="withEffect">
+                                  <p:stCondLst>
+                                    <p:cond delay="0"/>
+                                  </p:stCondLst>
+                                  <p:childTnLst>
+                                    <p:set>
+                                      <p:cBhvr>
+                                        <p:cTn id="33" dur="1" fill="hold">
+                                          <p:stCondLst>
+                                            <p:cond delay="0"/>
+                                          </p:stCondLst>
+                                        </p:cTn>
+                                        <p:tgtEl>
+                                          <p:spTgt spid="8">
+                                            <p:txEl>
+                                              <p:pRg st="9" end="9"/>
+                                            </p:txEl>
+                                          </p:spTgt>
+                                        </p:tgtEl>
+                                        <p:attrNameLst>
+                                          <p:attrName>style.visibility</p:attrName>
+                                        </p:attrNameLst>
+                                      </p:cBhvr>
+                                      <p:to>
+                                        <p:strVal val="visible"/>
+                                      </p:to>
+                                    </p:set>
+                                    <p:animEffect transition="in" filter="fade">
+                                      <p:cBhvr>
+                                        <p:cTn id="34" dur="500"/>
+                                        <p:tgtEl>
+                                          <p:spTgt spid="8">
+                                            <p:txEl>
+                                              <p:pRg st="9" end="9"/>
+                                            </p:txEl>
+                                          </p:spTgt>
+                                        </p:tgtEl>
+                                      </p:cBhvr>
+                                    </p:animEffect>
+                                  </p:childTnLst>
+                                </p:cTn>
+                              </p:par>
+                              <p:par>
+                                <p:cTn id="35" presetID="10" presetClass="entr" presetSubtype="0" fill="hold" nodeType="withEffect">
+                                  <p:stCondLst>
+                                    <p:cond delay="0"/>
+                                  </p:stCondLst>
+                                  <p:childTnLst>
+                                    <p:set>
+                                      <p:cBhvr>
+                                        <p:cTn id="36" dur="1" fill="hold">
+                                          <p:stCondLst>
+                                            <p:cond delay="0"/>
+                                          </p:stCondLst>
+                                        </p:cTn>
+                                        <p:tgtEl>
+                                          <p:spTgt spid="8">
+                                            <p:txEl>
+                                              <p:pRg st="10" end="10"/>
+                                            </p:txEl>
+                                          </p:spTgt>
+                                        </p:tgtEl>
+                                        <p:attrNameLst>
+                                          <p:attrName>style.visibility</p:attrName>
+                                        </p:attrNameLst>
+                                      </p:cBhvr>
+                                      <p:to>
+                                        <p:strVal val="visible"/>
+                                      </p:to>
+                                    </p:set>
+                                    <p:animEffect transition="in" filter="fade">
+                                      <p:cBhvr>
+                                        <p:cTn id="37" dur="500"/>
+                                        <p:tgtEl>
+                                          <p:spTgt spid="8">
+                                            <p:txEl>
+                                              <p:pRg st="10" end="10"/>
+                                            </p:txEl>
+                                          </p:spTgt>
+                                        </p:tgtEl>
+                                      </p:cBhvr>
+                                    </p:animEffect>
+                                  </p:childTnLst>
+                                </p:cTn>
+                              </p:par>
+                              <p:par>
+                                <p:cTn id="38" presetID="10" presetClass="entr" presetSubtype="0" fill="hold" nodeType="withEffect">
+                                  <p:stCondLst>
+                                    <p:cond delay="0"/>
+                                  </p:stCondLst>
+                                  <p:childTnLst>
+                                    <p:set>
+                                      <p:cBhvr>
+                                        <p:cTn id="39" dur="1" fill="hold">
+                                          <p:stCondLst>
+                                            <p:cond delay="0"/>
+                                          </p:stCondLst>
+                                        </p:cTn>
+                                        <p:tgtEl>
+                                          <p:spTgt spid="8">
+                                            <p:txEl>
+                                              <p:pRg st="11" end="11"/>
+                                            </p:txEl>
+                                          </p:spTgt>
+                                        </p:tgtEl>
+                                        <p:attrNameLst>
+                                          <p:attrName>style.visibility</p:attrName>
+                                        </p:attrNameLst>
+                                      </p:cBhvr>
+                                      <p:to>
+                                        <p:strVal val="visible"/>
+                                      </p:to>
+                                    </p:set>
+                                    <p:animEffect transition="in" filter="fade">
+                                      <p:cBhvr>
+                                        <p:cTn id="40" dur="500"/>
+                                        <p:tgtEl>
+                                          <p:spTgt spid="8">
+                                            <p:txEl>
+                                              <p:pRg st="11" end="11"/>
+                                            </p:txEl>
+                                          </p:spTgt>
+                                        </p:tgtEl>
+                                      </p:cBhvr>
+                                    </p:animEffect>
+                                  </p:childTnLst>
+                                </p:cTn>
+                              </p:par>
+                            </p:childTnLst>
+                          </p:cTn>
+                        </p:par>
+                      </p:childTnLst>
+                    </p:cTn>
+                  </p:par>
+                  <p:par>
+                    <p:cTn id="41" fill="hold">
+                      <p:stCondLst>
+                        <p:cond delay="indefinite"/>
+                      </p:stCondLst>
+                      <p:childTnLst>
+                        <p:par>
+                          <p:cTn id="42" fill="hold">
+                            <p:stCondLst>
+                              <p:cond delay="0"/>
+                            </p:stCondLst>
+                            <p:childTnLst>
+                              <p:par>
+                                <p:cTn id="43" presetID="10" presetClass="entr" presetSubtype="0" fill="hold" nodeType="clickEffect">
+                                  <p:stCondLst>
+                                    <p:cond delay="0"/>
+                                  </p:stCondLst>
+                                  <p:childTnLst>
+                                    <p:set>
+                                      <p:cBhvr>
+                                        <p:cTn id="44" dur="1" fill="hold">
+                                          <p:stCondLst>
+                                            <p:cond delay="0"/>
+                                          </p:stCondLst>
+                                        </p:cTn>
+                                        <p:tgtEl>
+                                          <p:spTgt spid="8">
+                                            <p:txEl>
+                                              <p:pRg st="13" end="13"/>
+                                            </p:txEl>
+                                          </p:spTgt>
+                                        </p:tgtEl>
+                                        <p:attrNameLst>
+                                          <p:attrName>style.visibility</p:attrName>
+                                        </p:attrNameLst>
+                                      </p:cBhvr>
+                                      <p:to>
+                                        <p:strVal val="visible"/>
+                                      </p:to>
+                                    </p:set>
+                                    <p:animEffect transition="in" filter="fade">
+                                      <p:cBhvr>
+                                        <p:cTn id="45" dur="500"/>
+                                        <p:tgtEl>
+                                          <p:spTgt spid="8">
+                                            <p:txEl>
+                                              <p:pRg st="13" end="13"/>
+                                            </p:txEl>
+                                          </p:spTgt>
+                                        </p:tgtEl>
+                                      </p:cBhvr>
+                                    </p:animEffect>
+                                  </p:childTnLst>
+                                </p:cTn>
+                              </p:par>
+                              <p:par>
+                                <p:cTn id="46" presetID="10" presetClass="entr" presetSubtype="0" fill="hold" nodeType="withEffect">
+                                  <p:stCondLst>
+                                    <p:cond delay="0"/>
+                                  </p:stCondLst>
+                                  <p:childTnLst>
+                                    <p:set>
+                                      <p:cBhvr>
+                                        <p:cTn id="47" dur="1" fill="hold">
+                                          <p:stCondLst>
+                                            <p:cond delay="0"/>
+                                          </p:stCondLst>
+                                        </p:cTn>
+                                        <p:tgtEl>
+                                          <p:spTgt spid="8">
+                                            <p:txEl>
+                                              <p:pRg st="14" end="14"/>
+                                            </p:txEl>
+                                          </p:spTgt>
+                                        </p:tgtEl>
+                                        <p:attrNameLst>
+                                          <p:attrName>style.visibility</p:attrName>
+                                        </p:attrNameLst>
+                                      </p:cBhvr>
+                                      <p:to>
+                                        <p:strVal val="visible"/>
+                                      </p:to>
+                                    </p:set>
+                                    <p:animEffect transition="in" filter="fade">
+                                      <p:cBhvr>
+                                        <p:cTn id="48" dur="500"/>
+                                        <p:tgtEl>
+                                          <p:spTgt spid="8">
+                                            <p:txEl>
+                                              <p:pRg st="14" end="14"/>
+                                            </p:txEl>
+                                          </p:spTgt>
+                                        </p:tgtEl>
+                                      </p:cBhvr>
+                                    </p:animEffect>
+                                  </p:childTnLst>
+                                </p:cTn>
+                              </p:par>
+                              <p:par>
+                                <p:cTn id="49" presetID="10" presetClass="entr" presetSubtype="0" fill="hold" nodeType="withEffect">
+                                  <p:stCondLst>
+                                    <p:cond delay="0"/>
+                                  </p:stCondLst>
+                                  <p:childTnLst>
+                                    <p:set>
+                                      <p:cBhvr>
+                                        <p:cTn id="50" dur="1" fill="hold">
+                                          <p:stCondLst>
+                                            <p:cond delay="0"/>
+                                          </p:stCondLst>
+                                        </p:cTn>
+                                        <p:tgtEl>
+                                          <p:spTgt spid="8">
+                                            <p:txEl>
+                                              <p:pRg st="15" end="15"/>
+                                            </p:txEl>
+                                          </p:spTgt>
+                                        </p:tgtEl>
+                                        <p:attrNameLst>
+                                          <p:attrName>style.visibility</p:attrName>
+                                        </p:attrNameLst>
+                                      </p:cBhvr>
+                                      <p:to>
+                                        <p:strVal val="visible"/>
+                                      </p:to>
+                                    </p:set>
+                                    <p:animEffect transition="in" filter="fade">
+                                      <p:cBhvr>
+                                        <p:cTn id="51" dur="500"/>
+                                        <p:tgtEl>
+                                          <p:spTgt spid="8">
+                                            <p:txEl>
+                                              <p:pRg st="15" end="15"/>
+                                            </p:txEl>
+                                          </p:spTgt>
+                                        </p:tgtEl>
+                                      </p:cBhvr>
+                                    </p:animEffect>
+                                  </p:childTnLst>
+                                </p:cTn>
+                              </p:par>
+                              <p:par>
+                                <p:cTn id="52" presetID="10" presetClass="entr" presetSubtype="0" fill="hold" nodeType="withEffect">
+                                  <p:stCondLst>
+                                    <p:cond delay="0"/>
+                                  </p:stCondLst>
+                                  <p:childTnLst>
+                                    <p:set>
+                                      <p:cBhvr>
+                                        <p:cTn id="53" dur="1" fill="hold">
+                                          <p:stCondLst>
+                                            <p:cond delay="0"/>
+                                          </p:stCondLst>
+                                        </p:cTn>
+                                        <p:tgtEl>
+                                          <p:spTgt spid="8">
+                                            <p:txEl>
+                                              <p:pRg st="16" end="16"/>
+                                            </p:txEl>
+                                          </p:spTgt>
+                                        </p:tgtEl>
+                                        <p:attrNameLst>
+                                          <p:attrName>style.visibility</p:attrName>
+                                        </p:attrNameLst>
+                                      </p:cBhvr>
+                                      <p:to>
+                                        <p:strVal val="visible"/>
+                                      </p:to>
+                                    </p:set>
+                                    <p:animEffect transition="in" filter="fade">
+                                      <p:cBhvr>
+                                        <p:cTn id="54" dur="500"/>
+                                        <p:tgtEl>
+                                          <p:spTgt spid="8">
+                                            <p:txEl>
+                                              <p:pRg st="16" end="16"/>
+                                            </p:txEl>
+                                          </p:spTgt>
+                                        </p:tgtEl>
+                                      </p:cBhvr>
+                                    </p:animEffect>
+                                  </p:childTnLst>
+                                </p:cTn>
+                              </p:par>
+                              <p:par>
+                                <p:cTn id="55" presetID="10" presetClass="entr" presetSubtype="0" fill="hold" nodeType="withEffect">
+                                  <p:stCondLst>
+                                    <p:cond delay="0"/>
+                                  </p:stCondLst>
+                                  <p:childTnLst>
+                                    <p:set>
+                                      <p:cBhvr>
+                                        <p:cTn id="56" dur="1" fill="hold">
+                                          <p:stCondLst>
+                                            <p:cond delay="0"/>
+                                          </p:stCondLst>
+                                        </p:cTn>
+                                        <p:tgtEl>
+                                          <p:spTgt spid="8">
+                                            <p:txEl>
+                                              <p:pRg st="17" end="17"/>
+                                            </p:txEl>
+                                          </p:spTgt>
+                                        </p:tgtEl>
+                                        <p:attrNameLst>
+                                          <p:attrName>style.visibility</p:attrName>
+                                        </p:attrNameLst>
+                                      </p:cBhvr>
+                                      <p:to>
+                                        <p:strVal val="visible"/>
+                                      </p:to>
+                                    </p:set>
+                                    <p:animEffect transition="in" filter="fade">
+                                      <p:cBhvr>
+                                        <p:cTn id="57" dur="500"/>
+                                        <p:tgtEl>
+                                          <p:spTgt spid="8">
+                                            <p:txEl>
+                                              <p:pRg st="17" end="17"/>
+                                            </p:txEl>
+                                          </p:spTgt>
+                                        </p:tgtEl>
+                                      </p:cBhvr>
+                                    </p:animEffect>
+                                  </p:childTnLst>
+                                </p:cTn>
+                              </p:par>
+                              <p:par>
+                                <p:cTn id="58" presetID="10" presetClass="entr" presetSubtype="0" fill="hold" nodeType="withEffect">
+                                  <p:stCondLst>
+                                    <p:cond delay="0"/>
+                                  </p:stCondLst>
+                                  <p:childTnLst>
+                                    <p:set>
+                                      <p:cBhvr>
+                                        <p:cTn id="59" dur="1" fill="hold">
+                                          <p:stCondLst>
+                                            <p:cond delay="0"/>
+                                          </p:stCondLst>
+                                        </p:cTn>
+                                        <p:tgtEl>
+                                          <p:spTgt spid="8">
+                                            <p:txEl>
+                                              <p:pRg st="18" end="18"/>
+                                            </p:txEl>
+                                          </p:spTgt>
+                                        </p:tgtEl>
+                                        <p:attrNameLst>
+                                          <p:attrName>style.visibility</p:attrName>
+                                        </p:attrNameLst>
+                                      </p:cBhvr>
+                                      <p:to>
+                                        <p:strVal val="visible"/>
+                                      </p:to>
+                                    </p:set>
+                                    <p:animEffect transition="in" filter="fade">
+                                      <p:cBhvr>
+                                        <p:cTn id="60" dur="500"/>
+                                        <p:tgtEl>
+                                          <p:spTgt spid="8">
+                                            <p:txEl>
+                                              <p:pRg st="18" end="18"/>
+                                            </p:txEl>
+                                          </p:spTgt>
+                                        </p:tgtEl>
+                                      </p:cBhvr>
+                                    </p:animEffect>
+                                  </p:childTnLst>
+                                </p:cTn>
+                              </p:par>
+                              <p:par>
+                                <p:cTn id="61" presetID="10" presetClass="entr" presetSubtype="0" fill="hold" nodeType="withEffect">
+                                  <p:stCondLst>
+                                    <p:cond delay="0"/>
+                                  </p:stCondLst>
+                                  <p:childTnLst>
+                                    <p:set>
+                                      <p:cBhvr>
+                                        <p:cTn id="62" dur="1" fill="hold">
+                                          <p:stCondLst>
+                                            <p:cond delay="0"/>
+                                          </p:stCondLst>
+                                        </p:cTn>
+                                        <p:tgtEl>
+                                          <p:spTgt spid="8">
+                                            <p:txEl>
+                                              <p:pRg st="19" end="19"/>
+                                            </p:txEl>
+                                          </p:spTgt>
+                                        </p:tgtEl>
+                                        <p:attrNameLst>
+                                          <p:attrName>style.visibility</p:attrName>
+                                        </p:attrNameLst>
+                                      </p:cBhvr>
+                                      <p:to>
+                                        <p:strVal val="visible"/>
+                                      </p:to>
+                                    </p:set>
+                                    <p:animEffect transition="in" filter="fade">
+                                      <p:cBhvr>
+                                        <p:cTn id="63" dur="500"/>
+                                        <p:tgtEl>
+                                          <p:spTgt spid="8">
+                                            <p:txEl>
+                                              <p:pRg st="19" end="19"/>
+                                            </p:txEl>
+                                          </p:spTgt>
+                                        </p:tgtEl>
+                                      </p:cBhvr>
+                                    </p:animEffect>
+                                  </p:childTnLst>
+                                </p:cTn>
+                              </p:par>
+                              <p:par>
+                                <p:cTn id="64" presetID="10" presetClass="entr" presetSubtype="0" fill="hold" nodeType="withEffect">
+                                  <p:stCondLst>
+                                    <p:cond delay="0"/>
+                                  </p:stCondLst>
+                                  <p:childTnLst>
+                                    <p:set>
+                                      <p:cBhvr>
+                                        <p:cTn id="65" dur="1" fill="hold">
+                                          <p:stCondLst>
+                                            <p:cond delay="0"/>
+                                          </p:stCondLst>
+                                        </p:cTn>
+                                        <p:tgtEl>
+                                          <p:spTgt spid="8">
+                                            <p:txEl>
+                                              <p:pRg st="20" end="20"/>
+                                            </p:txEl>
+                                          </p:spTgt>
+                                        </p:tgtEl>
+                                        <p:attrNameLst>
+                                          <p:attrName>style.visibility</p:attrName>
+                                        </p:attrNameLst>
+                                      </p:cBhvr>
+                                      <p:to>
+                                        <p:strVal val="visible"/>
+                                      </p:to>
+                                    </p:set>
+                                    <p:animEffect transition="in" filter="fade">
+                                      <p:cBhvr>
+                                        <p:cTn id="66" dur="500"/>
+                                        <p:tgtEl>
+                                          <p:spTgt spid="8">
+                                            <p:txEl>
+                                              <p:pRg st="20" end="20"/>
+                                            </p:txEl>
+                                          </p:spTgt>
+                                        </p:tgtEl>
+                                      </p:cBhvr>
+                                    </p:animEffect>
+                                  </p:childTnLst>
+                                </p:cTn>
+                              </p:par>
+                              <p:par>
+                                <p:cTn id="67" presetID="10" presetClass="entr" presetSubtype="0" fill="hold" nodeType="withEffect">
+                                  <p:stCondLst>
+                                    <p:cond delay="0"/>
+                                  </p:stCondLst>
+                                  <p:childTnLst>
+                                    <p:set>
+                                      <p:cBhvr>
+                                        <p:cTn id="68" dur="1" fill="hold">
+                                          <p:stCondLst>
+                                            <p:cond delay="0"/>
+                                          </p:stCondLst>
+                                        </p:cTn>
+                                        <p:tgtEl>
+                                          <p:spTgt spid="8">
+                                            <p:txEl>
+                                              <p:pRg st="21" end="21"/>
+                                            </p:txEl>
+                                          </p:spTgt>
+                                        </p:tgtEl>
+                                        <p:attrNameLst>
+                                          <p:attrName>style.visibility</p:attrName>
+                                        </p:attrNameLst>
+                                      </p:cBhvr>
+                                      <p:to>
+                                        <p:strVal val="visible"/>
+                                      </p:to>
+                                    </p:set>
+                                    <p:animEffect transition="in" filter="fade">
+                                      <p:cBhvr>
+                                        <p:cTn id="69" dur="500"/>
+                                        <p:tgtEl>
+                                          <p:spTgt spid="8">
+                                            <p:txEl>
+                                              <p:pRg st="21" end="21"/>
+                                            </p:txEl>
+                                          </p:spTgt>
+                                        </p:tgtEl>
+                                      </p:cBhvr>
+                                    </p:animEffect>
+                                  </p:childTnLst>
+                                </p:cTn>
+                              </p:par>
+                              <p:par>
+                                <p:cTn id="70" presetID="10" presetClass="entr" presetSubtype="0" fill="hold" nodeType="withEffect">
+                                  <p:stCondLst>
+                                    <p:cond delay="0"/>
+                                  </p:stCondLst>
+                                  <p:childTnLst>
+                                    <p:set>
+                                      <p:cBhvr>
+                                        <p:cTn id="71" dur="1" fill="hold">
+                                          <p:stCondLst>
+                                            <p:cond delay="0"/>
+                                          </p:stCondLst>
+                                        </p:cTn>
+                                        <p:tgtEl>
+                                          <p:spTgt spid="8">
+                                            <p:txEl>
+                                              <p:pRg st="22" end="22"/>
+                                            </p:txEl>
+                                          </p:spTgt>
+                                        </p:tgtEl>
+                                        <p:attrNameLst>
+                                          <p:attrName>style.visibility</p:attrName>
+                                        </p:attrNameLst>
+                                      </p:cBhvr>
+                                      <p:to>
+                                        <p:strVal val="visible"/>
+                                      </p:to>
+                                    </p:set>
+                                    <p:animEffect transition="in" filter="fade">
+                                      <p:cBhvr>
+                                        <p:cTn id="72" dur="500"/>
+                                        <p:tgtEl>
+                                          <p:spTgt spid="8">
+                                            <p:txEl>
+                                              <p:pRg st="22" end="22"/>
+                                            </p:txEl>
+                                          </p:spTgt>
+                                        </p:tgtEl>
+                                      </p:cBhvr>
+                                    </p:animEffect>
+                                  </p:childTnLst>
+                                </p:cTn>
+                              </p:par>
+                              <p:par>
+                                <p:cTn id="73" presetID="10" presetClass="entr" presetSubtype="0" fill="hold" nodeType="withEffect">
+                                  <p:stCondLst>
+                                    <p:cond delay="0"/>
+                                  </p:stCondLst>
+                                  <p:childTnLst>
+                                    <p:set>
+                                      <p:cBhvr>
+                                        <p:cTn id="74" dur="1" fill="hold">
+                                          <p:stCondLst>
+                                            <p:cond delay="0"/>
+                                          </p:stCondLst>
+                                        </p:cTn>
+                                        <p:tgtEl>
+                                          <p:spTgt spid="8">
+                                            <p:txEl>
+                                              <p:pRg st="23" end="23"/>
+                                            </p:txEl>
+                                          </p:spTgt>
+                                        </p:tgtEl>
+                                        <p:attrNameLst>
+                                          <p:attrName>style.visibility</p:attrName>
+                                        </p:attrNameLst>
+                                      </p:cBhvr>
+                                      <p:to>
+                                        <p:strVal val="visible"/>
+                                      </p:to>
+                                    </p:set>
+                                    <p:animEffect transition="in" filter="fade">
+                                      <p:cBhvr>
+                                        <p:cTn id="75" dur="500"/>
+                                        <p:tgtEl>
+                                          <p:spTgt spid="8">
+                                            <p:txEl>
+                                              <p:pRg st="23" end="23"/>
+                                            </p:txEl>
+                                          </p:spTgt>
+                                        </p:tgtEl>
+                                      </p:cBhvr>
+                                    </p:animEffect>
+                                  </p:childTnLst>
+                                </p:cTn>
+                              </p:par>
+                            </p:childTnLst>
+                          </p:cTn>
+                        </p:par>
+                      </p:childTnLst>
+                    </p:cTn>
+                  </p:par>
+                  <p:par>
+                    <p:cTn id="76" fill="hold">
+                      <p:stCondLst>
+                        <p:cond delay="indefinite"/>
+                      </p:stCondLst>
+                      <p:childTnLst>
+                        <p:par>
+                          <p:cTn id="77" fill="hold">
+                            <p:stCondLst>
+                              <p:cond delay="0"/>
+                            </p:stCondLst>
+                            <p:childTnLst>
+                              <p:par>
+                                <p:cTn id="78" presetID="10" presetClass="entr" presetSubtype="0" fill="hold" grpId="0" nodeType="clickEffect">
+                                  <p:stCondLst>
+                                    <p:cond delay="0"/>
+                                  </p:stCondLst>
+                                  <p:childTnLst>
+                                    <p:set>
+                                      <p:cBhvr>
+                                        <p:cTn id="79" dur="1" fill="hold">
+                                          <p:stCondLst>
+                                            <p:cond delay="0"/>
+                                          </p:stCondLst>
+                                        </p:cTn>
+                                        <p:tgtEl>
+                                          <p:spTgt spid="4"/>
+                                        </p:tgtEl>
+                                        <p:attrNameLst>
+                                          <p:attrName>style.visibility</p:attrName>
+                                        </p:attrNameLst>
+                                      </p:cBhvr>
+                                      <p:to>
+                                        <p:strVal val="visible"/>
+                                      </p:to>
+                                    </p:set>
+                                    <p:animEffect transition="in" filter="fade">
+                                      <p:cBhvr>
+                                        <p:cTn id="80" dur="500"/>
+                                        <p:tgtEl>
+                                          <p:spTgt spid="4"/>
+                                        </p:tgtEl>
+                                      </p:cBhvr>
+                                    </p:animEffect>
+                                  </p:childTnLst>
+                                </p:cTn>
+                              </p:par>
+                            </p:childTnLst>
+                          </p:cTn>
+                        </p:par>
+                      </p:childTnLst>
+                    </p:cTn>
+                  </p:par>
+                </p:childTnLst>
+              </p:cTn>
+              <p:prevCondLst>
+                <p:cond evt="onPrev" delay="0">
+                  <p:tgtEl>
+                    <p:sldTgt/>
+                  </p:tgtEl>
+                </p:cond>
+              </p:prevCondLst>
+              <p:nextCondLst>
+                <p:cond evt="onNext" delay="0">
+                  <p:tgtEl>
+                    <p:sldTgt/>
+                  </p:tgtEl>
+                </p:cond>
+              </p:nextCondLst>
+            </p:seq>
+          </p:childTnLst>
+        </p:cTn>
       </p:par>
     </p:tnLst>
+    <p:bldLst>
+      <p:bldP spid="4" grpId="0" animBg="1"/>
+    </p:bldLst>
   </p:timing>
 </p:sld>
 </file>
@@ -43906,9 +46866,196 @@
   <p:timing>
     <p:tnLst>
       <p:par>
-        <p:cTn id="1" dur="indefinite" restart="never" nodeType="tmRoot"/>
+        <p:cTn id="1" dur="indefinite" restart="never" nodeType="tmRoot">
+          <p:childTnLst>
+            <p:seq concurrent="1" nextAc="seek">
+              <p:cTn id="2" dur="indefinite" nodeType="mainSeq">
+                <p:childTnLst>
+                  <p:par>
+                    <p:cTn id="3" fill="hold">
+                      <p:stCondLst>
+                        <p:cond delay="indefinite"/>
+                      </p:stCondLst>
+                      <p:childTnLst>
+                        <p:par>
+                          <p:cTn id="4" fill="hold">
+                            <p:stCondLst>
+                              <p:cond delay="0"/>
+                            </p:stCondLst>
+                            <p:childTnLst>
+                              <p:par>
+                                <p:cTn id="5" presetID="10" presetClass="entr" presetSubtype="0" fill="hold" grpId="0" nodeType="clickEffect">
+                                  <p:stCondLst>
+                                    <p:cond delay="0"/>
+                                  </p:stCondLst>
+                                  <p:childTnLst>
+                                    <p:set>
+                                      <p:cBhvr>
+                                        <p:cTn id="6" dur="1" fill="hold">
+                                          <p:stCondLst>
+                                            <p:cond delay="0"/>
+                                          </p:stCondLst>
+                                        </p:cTn>
+                                        <p:tgtEl>
+                                          <p:spTgt spid="4"/>
+                                        </p:tgtEl>
+                                        <p:attrNameLst>
+                                          <p:attrName>style.visibility</p:attrName>
+                                        </p:attrNameLst>
+                                      </p:cBhvr>
+                                      <p:to>
+                                        <p:strVal val="visible"/>
+                                      </p:to>
+                                    </p:set>
+                                    <p:animEffect transition="in" filter="fade">
+                                      <p:cBhvr>
+                                        <p:cTn id="7" dur="500"/>
+                                        <p:tgtEl>
+                                          <p:spTgt spid="4"/>
+                                        </p:tgtEl>
+                                      </p:cBhvr>
+                                    </p:animEffect>
+                                  </p:childTnLst>
+                                </p:cTn>
+                              </p:par>
+                            </p:childTnLst>
+                          </p:cTn>
+                        </p:par>
+                      </p:childTnLst>
+                    </p:cTn>
+                  </p:par>
+                  <p:par>
+                    <p:cTn id="8" fill="hold">
+                      <p:stCondLst>
+                        <p:cond delay="indefinite"/>
+                      </p:stCondLst>
+                      <p:childTnLst>
+                        <p:par>
+                          <p:cTn id="9" fill="hold">
+                            <p:stCondLst>
+                              <p:cond delay="0"/>
+                            </p:stCondLst>
+                            <p:childTnLst>
+                              <p:par>
+                                <p:cTn id="10" presetID="10" presetClass="entr" presetSubtype="0" fill="hold" grpId="0" nodeType="clickEffect">
+                                  <p:stCondLst>
+                                    <p:cond delay="0"/>
+                                  </p:stCondLst>
+                                  <p:childTnLst>
+                                    <p:set>
+                                      <p:cBhvr>
+                                        <p:cTn id="11" dur="1" fill="hold">
+                                          <p:stCondLst>
+                                            <p:cond delay="0"/>
+                                          </p:stCondLst>
+                                        </p:cTn>
+                                        <p:tgtEl>
+                                          <p:spTgt spid="5"/>
+                                        </p:tgtEl>
+                                        <p:attrNameLst>
+                                          <p:attrName>style.visibility</p:attrName>
+                                        </p:attrNameLst>
+                                      </p:cBhvr>
+                                      <p:to>
+                                        <p:strVal val="visible"/>
+                                      </p:to>
+                                    </p:set>
+                                    <p:animEffect transition="in" filter="fade">
+                                      <p:cBhvr>
+                                        <p:cTn id="12" dur="500"/>
+                                        <p:tgtEl>
+                                          <p:spTgt spid="5"/>
+                                        </p:tgtEl>
+                                      </p:cBhvr>
+                                    </p:animEffect>
+                                  </p:childTnLst>
+                                </p:cTn>
+                              </p:par>
+                            </p:childTnLst>
+                          </p:cTn>
+                        </p:par>
+                      </p:childTnLst>
+                    </p:cTn>
+                  </p:par>
+                  <p:par>
+                    <p:cTn id="13" fill="hold">
+                      <p:stCondLst>
+                        <p:cond delay="indefinite"/>
+                      </p:stCondLst>
+                      <p:childTnLst>
+                        <p:par>
+                          <p:cTn id="14" fill="hold">
+                            <p:stCondLst>
+                              <p:cond delay="0"/>
+                            </p:stCondLst>
+                            <p:childTnLst>
+                              <p:par>
+                                <p:cTn id="15" presetID="10" presetClass="entr" presetSubtype="0" fill="hold" grpId="0" nodeType="clickEffect">
+                                  <p:stCondLst>
+                                    <p:cond delay="0"/>
+                                  </p:stCondLst>
+                                  <p:childTnLst>
+                                    <p:set>
+                                      <p:cBhvr>
+                                        <p:cTn id="16" dur="1" fill="hold">
+                                          <p:stCondLst>
+                                            <p:cond delay="0"/>
+                                          </p:stCondLst>
+                                        </p:cTn>
+                                        <p:tgtEl>
+                                          <p:spTgt spid="6"/>
+                                        </p:tgtEl>
+                                        <p:attrNameLst>
+                                          <p:attrName>style.visibility</p:attrName>
+                                        </p:attrNameLst>
+                                      </p:cBhvr>
+                                      <p:to>
+                                        <p:strVal val="visible"/>
+                                      </p:to>
+                                    </p:set>
+                                    <p:animEffect transition="in" filter="fade">
+                                      <p:cBhvr>
+                                        <p:cTn id="17" dur="500"/>
+                                        <p:tgtEl>
+                                          <p:spTgt spid="6"/>
+                                        </p:tgtEl>
+                                      </p:cBhvr>
+                                    </p:animEffect>
+                                  </p:childTnLst>
+                                </p:cTn>
+                              </p:par>
+                            </p:childTnLst>
+                          </p:cTn>
+                        </p:par>
+                      </p:childTnLst>
+                    </p:cTn>
+                  </p:par>
+                </p:childTnLst>
+              </p:cTn>
+              <p:prevCondLst>
+                <p:cond evt="onPrev" delay="0">
+                  <p:tgtEl>
+                    <p:sldTgt/>
+                  </p:tgtEl>
+                </p:cond>
+              </p:prevCondLst>
+              <p:nextCondLst>
+                <p:cond evt="onNext" delay="0">
+                  <p:tgtEl>
+                    <p:sldTgt/>
+                  </p:tgtEl>
+                </p:cond>
+              </p:nextCondLst>
+            </p:seq>
+          </p:childTnLst>
+        </p:cTn>
       </p:par>
     </p:tnLst>
+    <p:bldLst>
+      <p:bldP spid="4" grpId="0" animBg="1"/>
+      <p:bldP spid="5" grpId="0" animBg="1"/>
+      <p:bldP spid="6" grpId="0" animBg="1"/>
+    </p:bldLst>
   </p:timing>
 </p:sld>
 </file>
@@ -44033,9 +47180,243 @@
   <p:timing>
     <p:tnLst>
       <p:par>
-        <p:cTn id="1" dur="indefinite" restart="never" nodeType="tmRoot"/>
+        <p:cTn id="1" dur="indefinite" restart="never" nodeType="tmRoot">
+          <p:childTnLst>
+            <p:seq concurrent="1" nextAc="seek">
+              <p:cTn id="2" dur="indefinite" nodeType="mainSeq">
+                <p:childTnLst>
+                  <p:par>
+                    <p:cTn id="3" fill="hold">
+                      <p:stCondLst>
+                        <p:cond delay="indefinite"/>
+                      </p:stCondLst>
+                      <p:childTnLst>
+                        <p:par>
+                          <p:cTn id="4" fill="hold">
+                            <p:stCondLst>
+                              <p:cond delay="0"/>
+                            </p:stCondLst>
+                            <p:childTnLst>
+                              <p:par>
+                                <p:cTn id="5" presetID="10" presetClass="entr" presetSubtype="0" fill="hold" grpId="0" nodeType="clickEffect">
+                                  <p:stCondLst>
+                                    <p:cond delay="0"/>
+                                  </p:stCondLst>
+                                  <p:childTnLst>
+                                    <p:set>
+                                      <p:cBhvr>
+                                        <p:cTn id="6" dur="1" fill="hold">
+                                          <p:stCondLst>
+                                            <p:cond delay="0"/>
+                                          </p:stCondLst>
+                                        </p:cTn>
+                                        <p:tgtEl>
+                                          <p:spTgt spid="3">
+                                            <p:txEl>
+                                              <p:pRg st="0" end="0"/>
+                                            </p:txEl>
+                                          </p:spTgt>
+                                        </p:tgtEl>
+                                        <p:attrNameLst>
+                                          <p:attrName>style.visibility</p:attrName>
+                                        </p:attrNameLst>
+                                      </p:cBhvr>
+                                      <p:to>
+                                        <p:strVal val="visible"/>
+                                      </p:to>
+                                    </p:set>
+                                    <p:animEffect transition="in" filter="fade">
+                                      <p:cBhvr>
+                                        <p:cTn id="7" dur="500"/>
+                                        <p:tgtEl>
+                                          <p:spTgt spid="3">
+                                            <p:txEl>
+                                              <p:pRg st="0" end="0"/>
+                                            </p:txEl>
+                                          </p:spTgt>
+                                        </p:tgtEl>
+                                      </p:cBhvr>
+                                    </p:animEffect>
+                                  </p:childTnLst>
+                                </p:cTn>
+                              </p:par>
+                              <p:par>
+                                <p:cTn id="8" presetID="10" presetClass="entr" presetSubtype="0" fill="hold" grpId="0" nodeType="withEffect">
+                                  <p:stCondLst>
+                                    <p:cond delay="0"/>
+                                  </p:stCondLst>
+                                  <p:childTnLst>
+                                    <p:set>
+                                      <p:cBhvr>
+                                        <p:cTn id="9" dur="1" fill="hold">
+                                          <p:stCondLst>
+                                            <p:cond delay="0"/>
+                                          </p:stCondLst>
+                                        </p:cTn>
+                                        <p:tgtEl>
+                                          <p:spTgt spid="3">
+                                            <p:txEl>
+                                              <p:pRg st="1" end="1"/>
+                                            </p:txEl>
+                                          </p:spTgt>
+                                        </p:tgtEl>
+                                        <p:attrNameLst>
+                                          <p:attrName>style.visibility</p:attrName>
+                                        </p:attrNameLst>
+                                      </p:cBhvr>
+                                      <p:to>
+                                        <p:strVal val="visible"/>
+                                      </p:to>
+                                    </p:set>
+                                    <p:animEffect transition="in" filter="fade">
+                                      <p:cBhvr>
+                                        <p:cTn id="10" dur="500"/>
+                                        <p:tgtEl>
+                                          <p:spTgt spid="3">
+                                            <p:txEl>
+                                              <p:pRg st="1" end="1"/>
+                                            </p:txEl>
+                                          </p:spTgt>
+                                        </p:tgtEl>
+                                      </p:cBhvr>
+                                    </p:animEffect>
+                                  </p:childTnLst>
+                                </p:cTn>
+                              </p:par>
+                            </p:childTnLst>
+                          </p:cTn>
+                        </p:par>
+                      </p:childTnLst>
+                    </p:cTn>
+                  </p:par>
+                  <p:par>
+                    <p:cTn id="11" fill="hold">
+                      <p:stCondLst>
+                        <p:cond delay="indefinite"/>
+                      </p:stCondLst>
+                      <p:childTnLst>
+                        <p:par>
+                          <p:cTn id="12" fill="hold">
+                            <p:stCondLst>
+                              <p:cond delay="0"/>
+                            </p:stCondLst>
+                            <p:childTnLst>
+                              <p:par>
+                                <p:cTn id="13" presetID="10" presetClass="entr" presetSubtype="0" fill="hold" grpId="0" nodeType="clickEffect">
+                                  <p:stCondLst>
+                                    <p:cond delay="0"/>
+                                  </p:stCondLst>
+                                  <p:childTnLst>
+                                    <p:set>
+                                      <p:cBhvr>
+                                        <p:cTn id="14" dur="1" fill="hold">
+                                          <p:stCondLst>
+                                            <p:cond delay="0"/>
+                                          </p:stCondLst>
+                                        </p:cTn>
+                                        <p:tgtEl>
+                                          <p:spTgt spid="3">
+                                            <p:txEl>
+                                              <p:pRg st="2" end="2"/>
+                                            </p:txEl>
+                                          </p:spTgt>
+                                        </p:tgtEl>
+                                        <p:attrNameLst>
+                                          <p:attrName>style.visibility</p:attrName>
+                                        </p:attrNameLst>
+                                      </p:cBhvr>
+                                      <p:to>
+                                        <p:strVal val="visible"/>
+                                      </p:to>
+                                    </p:set>
+                                    <p:animEffect transition="in" filter="fade">
+                                      <p:cBhvr>
+                                        <p:cTn id="15" dur="500"/>
+                                        <p:tgtEl>
+                                          <p:spTgt spid="3">
+                                            <p:txEl>
+                                              <p:pRg st="2" end="2"/>
+                                            </p:txEl>
+                                          </p:spTgt>
+                                        </p:tgtEl>
+                                      </p:cBhvr>
+                                    </p:animEffect>
+                                  </p:childTnLst>
+                                </p:cTn>
+                              </p:par>
+                              <p:par>
+                                <p:cTn id="16" presetID="10" presetClass="entr" presetSubtype="0" fill="hold" grpId="0" nodeType="withEffect">
+                                  <p:stCondLst>
+                                    <p:cond delay="0"/>
+                                  </p:stCondLst>
+                                  <p:childTnLst>
+                                    <p:set>
+                                      <p:cBhvr>
+                                        <p:cTn id="17" dur="1" fill="hold">
+                                          <p:stCondLst>
+                                            <p:cond delay="0"/>
+                                          </p:stCondLst>
+                                        </p:cTn>
+                                        <p:tgtEl>
+                                          <p:spTgt spid="3">
+                                            <p:txEl>
+                                              <p:pRg st="3" end="3"/>
+                                            </p:txEl>
+                                          </p:spTgt>
+                                        </p:tgtEl>
+                                        <p:attrNameLst>
+                                          <p:attrName>style.visibility</p:attrName>
+                                        </p:attrNameLst>
+                                      </p:cBhvr>
+                                      <p:to>
+                                        <p:strVal val="visible"/>
+                                      </p:to>
+                                    </p:set>
+                                    <p:animEffect transition="in" filter="fade">
+                                      <p:cBhvr>
+                                        <p:cTn id="18" dur="500"/>
+                                        <p:tgtEl>
+                                          <p:spTgt spid="3">
+                                            <p:txEl>
+                                              <p:pRg st="3" end="3"/>
+                                            </p:txEl>
+                                          </p:spTgt>
+                                        </p:tgtEl>
+                                      </p:cBhvr>
+                                    </p:animEffect>
+                                  </p:childTnLst>
+                                </p:cTn>
+                              </p:par>
+                            </p:childTnLst>
+                          </p:cTn>
+                        </p:par>
+                      </p:childTnLst>
+                    </p:cTn>
+                  </p:par>
+                </p:childTnLst>
+              </p:cTn>
+              <p:prevCondLst>
+                <p:cond evt="onPrev" delay="0">
+                  <p:tgtEl>
+                    <p:sldTgt/>
+                  </p:tgtEl>
+                </p:cond>
+              </p:prevCondLst>
+              <p:nextCondLst>
+                <p:cond evt="onNext" delay="0">
+                  <p:tgtEl>
+                    <p:sldTgt/>
+                  </p:tgtEl>
+                </p:cond>
+              </p:nextCondLst>
+            </p:seq>
+          </p:childTnLst>
+        </p:cTn>
       </p:par>
     </p:tnLst>
+    <p:bldLst>
+      <p:bldP spid="3" grpId="0" build="p"/>
+    </p:bldLst>
   </p:timing>
 </p:sld>
 </file>
@@ -45664,8 +49045,8 @@
           <a:p>
             <a:pPr defTabSz="179388"/>
             <a:r>
-              <a:rPr lang="en-US" sz="1400" dirty="0"/>
-              <a:t>virtual Color </a:t>
+              <a:rPr lang="en-US" sz="1400" dirty="0" smtClean="0"/>
+              <a:t>Color </a:t>
             </a:r>
             <a:r>
               <a:rPr lang="en-US" sz="1400" dirty="0" err="1"/>
@@ -45716,8 +49097,8 @@
           <a:p>
             <a:pPr defTabSz="179388"/>
             <a:r>
-              <a:rPr lang="en-US" sz="1400" dirty="0"/>
-              <a:t>virtual void </a:t>
+              <a:rPr lang="en-US" sz="1400" dirty="0" smtClean="0"/>
+              <a:t>void </a:t>
             </a:r>
             <a:r>
               <a:rPr lang="en-US" sz="1400" dirty="0" err="1"/>
@@ -45897,8 +49278,8 @@
           <a:p>
             <a:pPr defTabSz="179388"/>
             <a:r>
-              <a:rPr lang="en-US" sz="1400" dirty="0"/>
-              <a:t>virtual Color </a:t>
+              <a:rPr lang="en-US" sz="1400" dirty="0" smtClean="0"/>
+              <a:t>Color </a:t>
             </a:r>
             <a:r>
               <a:rPr lang="en-US" sz="1400" dirty="0" err="1"/>
@@ -45957,8 +49338,8 @@
           <a:p>
             <a:pPr defTabSz="179388"/>
             <a:r>
-              <a:rPr lang="en-US" sz="1400" dirty="0"/>
-              <a:t>virtual void </a:t>
+              <a:rPr lang="en-US" sz="1400" dirty="0" smtClean="0"/>
+              <a:t>void </a:t>
             </a:r>
             <a:r>
               <a:rPr lang="en-US" sz="1400" dirty="0" err="1"/>
@@ -46017,8 +49398,8 @@
           <a:p>
             <a:pPr defTabSz="179388"/>
             <a:r>
-              <a:rPr lang="en-US" sz="1400" dirty="0"/>
-              <a:t>virtual double </a:t>
+              <a:rPr lang="en-US" sz="1400" dirty="0" smtClean="0"/>
+              <a:t>double </a:t>
             </a:r>
             <a:r>
               <a:rPr lang="en-US" sz="1400" dirty="0" err="1"/>
